--- a/practice-6.2-maze-Hexagon/PPT.pptx
+++ b/practice-6.2-maze-Hexagon/PPT.pptx
@@ -12,6 +12,7 @@
     <p:sldId id="259" r:id="rId6"/>
     <p:sldId id="260" r:id="rId7"/>
     <p:sldId id="261" r:id="rId8"/>
+    <p:sldId id="263" r:id="rId9"/>
   </p:sldIdLst>
   <p:sldSz cx="12192000" cy="6858000"/>
   <p:notesSz cx="6858000" cy="9144000"/>
@@ -3023,6 +3024,13 @@
   <p:clrMapOvr>
     <a:masterClrMapping/>
   </p:clrMapOvr>
+  <p:timing>
+    <p:tnLst>
+      <p:par>
+        <p:cTn id="1" dur="indefinite" restart="never" nodeType="tmRoot"/>
+      </p:par>
+    </p:tnLst>
+  </p:timing>
 </p:sld>
 </file>
 
@@ -9568,7 +9576,7 @@
         <p:spPr>
           <a:xfrm>
             <a:off x="2435474" y="1631023"/>
-            <a:ext cx="601447" cy="369332"/>
+            <a:ext cx="835485" cy="369332"/>
           </a:xfrm>
           <a:prstGeom prst="rect">
             <a:avLst/>
@@ -9583,7 +9591,7 @@
           <a:p>
             <a:r>
               <a:rPr lang="en-US" altLang="zh-TW" dirty="0" smtClean="0"/>
-              <a:t>1.4R</a:t>
+              <a:t>0.871R</a:t>
             </a:r>
             <a:endParaRPr lang="zh-TW" altLang="en-US" dirty="0"/>
           </a:p>
@@ -13610,6 +13618,76 @@
           </a:p>
         </p:txBody>
       </p:sp>
+      <p:cxnSp>
+        <p:nvCxnSpPr>
+          <p:cNvPr id="23" name="直線接點 22"/>
+          <p:cNvCxnSpPr/>
+          <p:nvPr/>
+        </p:nvCxnSpPr>
+        <p:spPr>
+          <a:xfrm flipV="1">
+            <a:off x="7348451" y="164302"/>
+            <a:ext cx="0" cy="4092319"/>
+          </a:xfrm>
+          <a:prstGeom prst="line">
+            <a:avLst/>
+          </a:prstGeom>
+          <a:ln w="38100">
+            <a:solidFill>
+              <a:srgbClr val="FF0000"/>
+            </a:solidFill>
+          </a:ln>
+        </p:spPr>
+        <p:style>
+          <a:lnRef idx="1">
+            <a:schemeClr val="dk1"/>
+          </a:lnRef>
+          <a:fillRef idx="0">
+            <a:schemeClr val="dk1"/>
+          </a:fillRef>
+          <a:effectRef idx="0">
+            <a:schemeClr val="dk1"/>
+          </a:effectRef>
+          <a:fontRef idx="minor">
+            <a:schemeClr val="tx1"/>
+          </a:fontRef>
+        </p:style>
+      </p:cxnSp>
+      <p:cxnSp>
+        <p:nvCxnSpPr>
+          <p:cNvPr id="54" name="直線接點 53"/>
+          <p:cNvCxnSpPr/>
+          <p:nvPr/>
+        </p:nvCxnSpPr>
+        <p:spPr>
+          <a:xfrm flipH="1" flipV="1">
+            <a:off x="4189615" y="2526958"/>
+            <a:ext cx="3158836" cy="1729664"/>
+          </a:xfrm>
+          <a:prstGeom prst="line">
+            <a:avLst/>
+          </a:prstGeom>
+          <a:ln w="38100">
+            <a:solidFill>
+              <a:srgbClr val="FF0000"/>
+            </a:solidFill>
+          </a:ln>
+        </p:spPr>
+        <p:style>
+          <a:lnRef idx="1">
+            <a:schemeClr val="dk1"/>
+          </a:lnRef>
+          <a:fillRef idx="0">
+            <a:schemeClr val="dk1"/>
+          </a:fillRef>
+          <a:effectRef idx="0">
+            <a:schemeClr val="dk1"/>
+          </a:effectRef>
+          <a:fontRef idx="minor">
+            <a:schemeClr val="tx1"/>
+          </a:fontRef>
+        </p:style>
+      </p:cxnSp>
     </p:spTree>
     <p:extLst>
       <p:ext uri="{BB962C8B-B14F-4D97-AF65-F5344CB8AC3E}">
@@ -17453,6 +17531,3174 @@
       </p:par>
     </p:tnLst>
   </p:timing>
+</p:sld>
+</file>
+
+<file path=ppt/slides/slide8.xml><?xml version="1.0" encoding="utf-8"?>
+<p:sld xmlns:a="http://schemas.openxmlformats.org/drawingml/2006/main" xmlns:r="http://schemas.openxmlformats.org/officeDocument/2006/relationships" xmlns:p="http://schemas.openxmlformats.org/presentationml/2006/main">
+  <p:cSld>
+    <p:spTree>
+      <p:nvGrpSpPr>
+        <p:cNvPr id="1" name=""/>
+        <p:cNvGrpSpPr/>
+        <p:nvPr/>
+      </p:nvGrpSpPr>
+      <p:grpSpPr>
+        <a:xfrm>
+          <a:off x="0" y="0"/>
+          <a:ext cx="0" cy="0"/>
+          <a:chOff x="0" y="0"/>
+          <a:chExt cx="0" cy="0"/>
+        </a:xfrm>
+      </p:grpSpPr>
+      <p:sp>
+        <p:nvSpPr>
+          <p:cNvPr id="2" name="六邊形 1"/>
+          <p:cNvSpPr/>
+          <p:nvPr/>
+        </p:nvSpPr>
+        <p:spPr>
+          <a:xfrm rot="10800000">
+            <a:off x="5430764" y="3083781"/>
+            <a:ext cx="651236" cy="561409"/>
+          </a:xfrm>
+          <a:prstGeom prst="hexagon">
+            <a:avLst/>
+          </a:prstGeom>
+          <a:solidFill>
+            <a:schemeClr val="accent1">
+              <a:lumMod val="60000"/>
+              <a:lumOff val="40000"/>
+            </a:schemeClr>
+          </a:solidFill>
+          <a:ln w="38100">
+            <a:solidFill>
+              <a:schemeClr val="tx1"/>
+            </a:solidFill>
+          </a:ln>
+        </p:spPr>
+        <p:style>
+          <a:lnRef idx="2">
+            <a:schemeClr val="accent1">
+              <a:shade val="50000"/>
+            </a:schemeClr>
+          </a:lnRef>
+          <a:fillRef idx="1">
+            <a:schemeClr val="accent1"/>
+          </a:fillRef>
+          <a:effectRef idx="0">
+            <a:schemeClr val="accent1"/>
+          </a:effectRef>
+          <a:fontRef idx="minor">
+            <a:schemeClr val="lt1"/>
+          </a:fontRef>
+        </p:style>
+        <p:txBody>
+          <a:bodyPr rtlCol="0" anchor="ctr"/>
+          <a:lstStyle/>
+          <a:p>
+            <a:pPr algn="ctr"/>
+            <a:endParaRPr lang="zh-TW" altLang="en-US"/>
+          </a:p>
+        </p:txBody>
+      </p:sp>
+      <p:sp>
+        <p:nvSpPr>
+          <p:cNvPr id="3" name="六邊形 2"/>
+          <p:cNvSpPr/>
+          <p:nvPr/>
+        </p:nvSpPr>
+        <p:spPr>
+          <a:xfrm rot="10800000">
+            <a:off x="6444704" y="3083781"/>
+            <a:ext cx="651236" cy="561409"/>
+          </a:xfrm>
+          <a:prstGeom prst="hexagon">
+            <a:avLst/>
+          </a:prstGeom>
+          <a:solidFill>
+            <a:schemeClr val="bg1"/>
+          </a:solidFill>
+          <a:ln w="38100">
+            <a:solidFill>
+              <a:schemeClr val="tx1"/>
+            </a:solidFill>
+          </a:ln>
+        </p:spPr>
+        <p:style>
+          <a:lnRef idx="2">
+            <a:schemeClr val="accent1">
+              <a:shade val="50000"/>
+            </a:schemeClr>
+          </a:lnRef>
+          <a:fillRef idx="1">
+            <a:schemeClr val="accent1"/>
+          </a:fillRef>
+          <a:effectRef idx="0">
+            <a:schemeClr val="accent1"/>
+          </a:effectRef>
+          <a:fontRef idx="minor">
+            <a:schemeClr val="lt1"/>
+          </a:fontRef>
+        </p:style>
+        <p:txBody>
+          <a:bodyPr rtlCol="0" anchor="ctr"/>
+          <a:lstStyle/>
+          <a:p>
+            <a:pPr algn="ctr"/>
+            <a:endParaRPr lang="zh-TW" altLang="en-US"/>
+          </a:p>
+        </p:txBody>
+      </p:sp>
+      <p:sp>
+        <p:nvSpPr>
+          <p:cNvPr id="4" name="六邊形 3"/>
+          <p:cNvSpPr/>
+          <p:nvPr/>
+        </p:nvSpPr>
+        <p:spPr>
+          <a:xfrm rot="10800000">
+            <a:off x="5430764" y="2527475"/>
+            <a:ext cx="651236" cy="561409"/>
+          </a:xfrm>
+          <a:prstGeom prst="hexagon">
+            <a:avLst/>
+          </a:prstGeom>
+          <a:solidFill>
+            <a:schemeClr val="accent1">
+              <a:lumMod val="60000"/>
+              <a:lumOff val="40000"/>
+            </a:schemeClr>
+          </a:solidFill>
+          <a:ln w="38100">
+            <a:solidFill>
+              <a:schemeClr val="tx1"/>
+            </a:solidFill>
+          </a:ln>
+        </p:spPr>
+        <p:style>
+          <a:lnRef idx="2">
+            <a:schemeClr val="accent1">
+              <a:shade val="50000"/>
+            </a:schemeClr>
+          </a:lnRef>
+          <a:fillRef idx="1">
+            <a:schemeClr val="accent1"/>
+          </a:fillRef>
+          <a:effectRef idx="0">
+            <a:schemeClr val="accent1"/>
+          </a:effectRef>
+          <a:fontRef idx="minor">
+            <a:schemeClr val="lt1"/>
+          </a:fontRef>
+        </p:style>
+        <p:txBody>
+          <a:bodyPr rtlCol="0" anchor="ctr"/>
+          <a:lstStyle/>
+          <a:p>
+            <a:pPr algn="ctr"/>
+            <a:endParaRPr lang="zh-TW" altLang="en-US"/>
+          </a:p>
+        </p:txBody>
+      </p:sp>
+      <p:sp>
+        <p:nvSpPr>
+          <p:cNvPr id="5" name="六邊形 4"/>
+          <p:cNvSpPr/>
+          <p:nvPr/>
+        </p:nvSpPr>
+        <p:spPr>
+          <a:xfrm rot="10800000">
+            <a:off x="6444704" y="2527475"/>
+            <a:ext cx="651236" cy="561409"/>
+          </a:xfrm>
+          <a:prstGeom prst="hexagon">
+            <a:avLst/>
+          </a:prstGeom>
+          <a:ln w="38100">
+            <a:solidFill>
+              <a:schemeClr val="tx1"/>
+            </a:solidFill>
+          </a:ln>
+        </p:spPr>
+        <p:style>
+          <a:lnRef idx="2">
+            <a:schemeClr val="accent1">
+              <a:shade val="50000"/>
+            </a:schemeClr>
+          </a:lnRef>
+          <a:fillRef idx="1">
+            <a:schemeClr val="accent1"/>
+          </a:fillRef>
+          <a:effectRef idx="0">
+            <a:schemeClr val="accent1"/>
+          </a:effectRef>
+          <a:fontRef idx="minor">
+            <a:schemeClr val="lt1"/>
+          </a:fontRef>
+        </p:style>
+        <p:txBody>
+          <a:bodyPr rtlCol="0" anchor="ctr"/>
+          <a:lstStyle/>
+          <a:p>
+            <a:pPr algn="ctr"/>
+            <a:endParaRPr lang="zh-TW" altLang="en-US"/>
+          </a:p>
+        </p:txBody>
+      </p:sp>
+      <p:sp>
+        <p:nvSpPr>
+          <p:cNvPr id="6" name="六邊形 5"/>
+          <p:cNvSpPr/>
+          <p:nvPr/>
+        </p:nvSpPr>
+        <p:spPr>
+          <a:xfrm rot="10800000">
+            <a:off x="5937734" y="2808181"/>
+            <a:ext cx="651236" cy="561409"/>
+          </a:xfrm>
+          <a:prstGeom prst="hexagon">
+            <a:avLst/>
+          </a:prstGeom>
+          <a:ln w="38100">
+            <a:solidFill>
+              <a:schemeClr val="tx1"/>
+            </a:solidFill>
+          </a:ln>
+        </p:spPr>
+        <p:style>
+          <a:lnRef idx="2">
+            <a:schemeClr val="accent1">
+              <a:shade val="50000"/>
+            </a:schemeClr>
+          </a:lnRef>
+          <a:fillRef idx="1">
+            <a:schemeClr val="accent1"/>
+          </a:fillRef>
+          <a:effectRef idx="0">
+            <a:schemeClr val="accent1"/>
+          </a:effectRef>
+          <a:fontRef idx="minor">
+            <a:schemeClr val="lt1"/>
+          </a:fontRef>
+        </p:style>
+        <p:txBody>
+          <a:bodyPr rtlCol="0" anchor="ctr"/>
+          <a:lstStyle/>
+          <a:p>
+            <a:pPr algn="ctr"/>
+            <a:endParaRPr lang="zh-TW" altLang="en-US"/>
+          </a:p>
+        </p:txBody>
+      </p:sp>
+      <p:sp>
+        <p:nvSpPr>
+          <p:cNvPr id="7" name="六邊形 6"/>
+          <p:cNvSpPr/>
+          <p:nvPr/>
+        </p:nvSpPr>
+        <p:spPr>
+          <a:xfrm rot="10800000">
+            <a:off x="4923794" y="2803076"/>
+            <a:ext cx="651236" cy="561409"/>
+          </a:xfrm>
+          <a:prstGeom prst="hexagon">
+            <a:avLst/>
+          </a:prstGeom>
+          <a:solidFill>
+            <a:schemeClr val="tx2">
+              <a:lumMod val="40000"/>
+              <a:lumOff val="60000"/>
+            </a:schemeClr>
+          </a:solidFill>
+          <a:ln w="38100">
+            <a:solidFill>
+              <a:schemeClr val="tx1"/>
+            </a:solidFill>
+          </a:ln>
+        </p:spPr>
+        <p:style>
+          <a:lnRef idx="2">
+            <a:schemeClr val="accent1">
+              <a:shade val="50000"/>
+            </a:schemeClr>
+          </a:lnRef>
+          <a:fillRef idx="1">
+            <a:schemeClr val="accent1"/>
+          </a:fillRef>
+          <a:effectRef idx="0">
+            <a:schemeClr val="accent1"/>
+          </a:effectRef>
+          <a:fontRef idx="minor">
+            <a:schemeClr val="lt1"/>
+          </a:fontRef>
+        </p:style>
+        <p:txBody>
+          <a:bodyPr rtlCol="0" anchor="ctr"/>
+          <a:lstStyle/>
+          <a:p>
+            <a:pPr algn="ctr"/>
+            <a:endParaRPr lang="zh-TW" altLang="en-US"/>
+          </a:p>
+        </p:txBody>
+      </p:sp>
+      <p:sp>
+        <p:nvSpPr>
+          <p:cNvPr id="8" name="六邊形 7"/>
+          <p:cNvSpPr/>
+          <p:nvPr/>
+        </p:nvSpPr>
+        <p:spPr>
+          <a:xfrm rot="10800000">
+            <a:off x="5430764" y="1971169"/>
+            <a:ext cx="651236" cy="561409"/>
+          </a:xfrm>
+          <a:prstGeom prst="hexagon">
+            <a:avLst/>
+          </a:prstGeom>
+          <a:solidFill>
+            <a:schemeClr val="tx2">
+              <a:lumMod val="40000"/>
+              <a:lumOff val="60000"/>
+            </a:schemeClr>
+          </a:solidFill>
+          <a:ln w="38100">
+            <a:solidFill>
+              <a:schemeClr val="tx1"/>
+            </a:solidFill>
+          </a:ln>
+        </p:spPr>
+        <p:style>
+          <a:lnRef idx="2">
+            <a:schemeClr val="accent1">
+              <a:shade val="50000"/>
+            </a:schemeClr>
+          </a:lnRef>
+          <a:fillRef idx="1">
+            <a:schemeClr val="accent1"/>
+          </a:fillRef>
+          <a:effectRef idx="0">
+            <a:schemeClr val="accent1"/>
+          </a:effectRef>
+          <a:fontRef idx="minor">
+            <a:schemeClr val="lt1"/>
+          </a:fontRef>
+        </p:style>
+        <p:txBody>
+          <a:bodyPr rtlCol="0" anchor="ctr"/>
+          <a:lstStyle/>
+          <a:p>
+            <a:pPr algn="ctr"/>
+            <a:endParaRPr lang="zh-TW" altLang="en-US"/>
+          </a:p>
+        </p:txBody>
+      </p:sp>
+      <p:sp>
+        <p:nvSpPr>
+          <p:cNvPr id="9" name="六邊形 8"/>
+          <p:cNvSpPr/>
+          <p:nvPr/>
+        </p:nvSpPr>
+        <p:spPr>
+          <a:xfrm rot="10800000">
+            <a:off x="6444704" y="1971169"/>
+            <a:ext cx="651236" cy="561409"/>
+          </a:xfrm>
+          <a:prstGeom prst="hexagon">
+            <a:avLst/>
+          </a:prstGeom>
+          <a:solidFill>
+            <a:schemeClr val="accent1">
+              <a:lumMod val="60000"/>
+              <a:lumOff val="40000"/>
+            </a:schemeClr>
+          </a:solidFill>
+          <a:ln w="38100">
+            <a:solidFill>
+              <a:schemeClr val="tx1"/>
+            </a:solidFill>
+          </a:ln>
+        </p:spPr>
+        <p:style>
+          <a:lnRef idx="2">
+            <a:schemeClr val="accent1">
+              <a:shade val="50000"/>
+            </a:schemeClr>
+          </a:lnRef>
+          <a:fillRef idx="1">
+            <a:schemeClr val="accent1"/>
+          </a:fillRef>
+          <a:effectRef idx="0">
+            <a:schemeClr val="accent1"/>
+          </a:effectRef>
+          <a:fontRef idx="minor">
+            <a:schemeClr val="lt1"/>
+          </a:fontRef>
+        </p:style>
+        <p:txBody>
+          <a:bodyPr rtlCol="0" anchor="ctr"/>
+          <a:lstStyle/>
+          <a:p>
+            <a:pPr algn="ctr"/>
+            <a:endParaRPr lang="zh-TW" altLang="en-US"/>
+          </a:p>
+        </p:txBody>
+      </p:sp>
+      <p:sp>
+        <p:nvSpPr>
+          <p:cNvPr id="10" name="六邊形 9"/>
+          <p:cNvSpPr/>
+          <p:nvPr/>
+        </p:nvSpPr>
+        <p:spPr>
+          <a:xfrm rot="10800000">
+            <a:off x="5937734" y="2251875"/>
+            <a:ext cx="651236" cy="561409"/>
+          </a:xfrm>
+          <a:prstGeom prst="hexagon">
+            <a:avLst/>
+          </a:prstGeom>
+          <a:solidFill>
+            <a:schemeClr val="accent1">
+              <a:lumMod val="60000"/>
+              <a:lumOff val="40000"/>
+            </a:schemeClr>
+          </a:solidFill>
+          <a:ln w="38100">
+            <a:solidFill>
+              <a:schemeClr val="tx1"/>
+            </a:solidFill>
+          </a:ln>
+        </p:spPr>
+        <p:style>
+          <a:lnRef idx="2">
+            <a:schemeClr val="accent1">
+              <a:shade val="50000"/>
+            </a:schemeClr>
+          </a:lnRef>
+          <a:fillRef idx="1">
+            <a:schemeClr val="accent1"/>
+          </a:fillRef>
+          <a:effectRef idx="0">
+            <a:schemeClr val="accent1"/>
+          </a:effectRef>
+          <a:fontRef idx="minor">
+            <a:schemeClr val="lt1"/>
+          </a:fontRef>
+        </p:style>
+        <p:txBody>
+          <a:bodyPr rtlCol="0" anchor="ctr"/>
+          <a:lstStyle/>
+          <a:p>
+            <a:pPr algn="ctr"/>
+            <a:endParaRPr lang="zh-TW" altLang="en-US"/>
+          </a:p>
+        </p:txBody>
+      </p:sp>
+      <p:sp>
+        <p:nvSpPr>
+          <p:cNvPr id="11" name="六邊形 10"/>
+          <p:cNvSpPr/>
+          <p:nvPr/>
+        </p:nvSpPr>
+        <p:spPr>
+          <a:xfrm rot="10800000">
+            <a:off x="4923794" y="2246770"/>
+            <a:ext cx="651236" cy="561409"/>
+          </a:xfrm>
+          <a:prstGeom prst="hexagon">
+            <a:avLst/>
+          </a:prstGeom>
+          <a:solidFill>
+            <a:schemeClr val="tx2">
+              <a:lumMod val="40000"/>
+              <a:lumOff val="60000"/>
+            </a:schemeClr>
+          </a:solidFill>
+          <a:ln w="38100">
+            <a:solidFill>
+              <a:schemeClr val="tx1"/>
+            </a:solidFill>
+          </a:ln>
+        </p:spPr>
+        <p:style>
+          <a:lnRef idx="2">
+            <a:schemeClr val="accent1">
+              <a:shade val="50000"/>
+            </a:schemeClr>
+          </a:lnRef>
+          <a:fillRef idx="1">
+            <a:schemeClr val="accent1"/>
+          </a:fillRef>
+          <a:effectRef idx="0">
+            <a:schemeClr val="accent1"/>
+          </a:effectRef>
+          <a:fontRef idx="minor">
+            <a:schemeClr val="lt1"/>
+          </a:fontRef>
+        </p:style>
+        <p:txBody>
+          <a:bodyPr rtlCol="0" anchor="ctr"/>
+          <a:lstStyle/>
+          <a:p>
+            <a:pPr algn="ctr"/>
+            <a:endParaRPr lang="zh-TW" altLang="en-US"/>
+          </a:p>
+        </p:txBody>
+      </p:sp>
+      <p:sp>
+        <p:nvSpPr>
+          <p:cNvPr id="12" name="六邊形 11"/>
+          <p:cNvSpPr/>
+          <p:nvPr/>
+        </p:nvSpPr>
+        <p:spPr>
+          <a:xfrm rot="10800000">
+            <a:off x="5423279" y="1404656"/>
+            <a:ext cx="651236" cy="561409"/>
+          </a:xfrm>
+          <a:prstGeom prst="hexagon">
+            <a:avLst/>
+          </a:prstGeom>
+          <a:solidFill>
+            <a:schemeClr val="bg1"/>
+          </a:solidFill>
+          <a:ln w="38100">
+            <a:solidFill>
+              <a:schemeClr val="tx1"/>
+            </a:solidFill>
+          </a:ln>
+        </p:spPr>
+        <p:style>
+          <a:lnRef idx="2">
+            <a:schemeClr val="accent1">
+              <a:shade val="50000"/>
+            </a:schemeClr>
+          </a:lnRef>
+          <a:fillRef idx="1">
+            <a:schemeClr val="accent1"/>
+          </a:fillRef>
+          <a:effectRef idx="0">
+            <a:schemeClr val="accent1"/>
+          </a:effectRef>
+          <a:fontRef idx="minor">
+            <a:schemeClr val="lt1"/>
+          </a:fontRef>
+        </p:style>
+        <p:txBody>
+          <a:bodyPr rtlCol="0" anchor="ctr"/>
+          <a:lstStyle/>
+          <a:p>
+            <a:pPr algn="ctr"/>
+            <a:endParaRPr lang="zh-TW" altLang="en-US"/>
+          </a:p>
+        </p:txBody>
+      </p:sp>
+      <p:sp>
+        <p:nvSpPr>
+          <p:cNvPr id="13" name="六邊形 12"/>
+          <p:cNvSpPr/>
+          <p:nvPr/>
+        </p:nvSpPr>
+        <p:spPr>
+          <a:xfrm rot="10800000">
+            <a:off x="6437219" y="1404656"/>
+            <a:ext cx="651236" cy="561409"/>
+          </a:xfrm>
+          <a:prstGeom prst="hexagon">
+            <a:avLst/>
+          </a:prstGeom>
+          <a:solidFill>
+            <a:schemeClr val="tx2">
+              <a:lumMod val="40000"/>
+              <a:lumOff val="60000"/>
+            </a:schemeClr>
+          </a:solidFill>
+          <a:ln w="38100">
+            <a:solidFill>
+              <a:schemeClr val="tx1"/>
+            </a:solidFill>
+          </a:ln>
+        </p:spPr>
+        <p:style>
+          <a:lnRef idx="2">
+            <a:schemeClr val="accent1">
+              <a:shade val="50000"/>
+            </a:schemeClr>
+          </a:lnRef>
+          <a:fillRef idx="1">
+            <a:schemeClr val="accent1"/>
+          </a:fillRef>
+          <a:effectRef idx="0">
+            <a:schemeClr val="accent1"/>
+          </a:effectRef>
+          <a:fontRef idx="minor">
+            <a:schemeClr val="lt1"/>
+          </a:fontRef>
+        </p:style>
+        <p:txBody>
+          <a:bodyPr rtlCol="0" anchor="ctr"/>
+          <a:lstStyle/>
+          <a:p>
+            <a:pPr algn="ctr"/>
+            <a:endParaRPr lang="zh-TW" altLang="en-US"/>
+          </a:p>
+        </p:txBody>
+      </p:sp>
+      <p:sp>
+        <p:nvSpPr>
+          <p:cNvPr id="14" name="六邊形 13"/>
+          <p:cNvSpPr/>
+          <p:nvPr/>
+        </p:nvSpPr>
+        <p:spPr>
+          <a:xfrm rot="10800000">
+            <a:off x="5930249" y="1685361"/>
+            <a:ext cx="651236" cy="561409"/>
+          </a:xfrm>
+          <a:prstGeom prst="hexagon">
+            <a:avLst/>
+          </a:prstGeom>
+          <a:solidFill>
+            <a:schemeClr val="tx2">
+              <a:lumMod val="40000"/>
+              <a:lumOff val="60000"/>
+            </a:schemeClr>
+          </a:solidFill>
+          <a:ln w="38100">
+            <a:solidFill>
+              <a:schemeClr val="tx1"/>
+            </a:solidFill>
+          </a:ln>
+        </p:spPr>
+        <p:style>
+          <a:lnRef idx="2">
+            <a:schemeClr val="accent1">
+              <a:shade val="50000"/>
+            </a:schemeClr>
+          </a:lnRef>
+          <a:fillRef idx="1">
+            <a:schemeClr val="accent1"/>
+          </a:fillRef>
+          <a:effectRef idx="0">
+            <a:schemeClr val="accent1"/>
+          </a:effectRef>
+          <a:fontRef idx="minor">
+            <a:schemeClr val="lt1"/>
+          </a:fontRef>
+        </p:style>
+        <p:txBody>
+          <a:bodyPr rtlCol="0" anchor="ctr"/>
+          <a:lstStyle/>
+          <a:p>
+            <a:pPr algn="ctr"/>
+            <a:endParaRPr lang="zh-TW" altLang="en-US"/>
+          </a:p>
+        </p:txBody>
+      </p:sp>
+      <p:sp>
+        <p:nvSpPr>
+          <p:cNvPr id="15" name="六邊形 14"/>
+          <p:cNvSpPr/>
+          <p:nvPr/>
+        </p:nvSpPr>
+        <p:spPr>
+          <a:xfrm rot="10800000">
+            <a:off x="4921413" y="1685361"/>
+            <a:ext cx="651236" cy="561409"/>
+          </a:xfrm>
+          <a:prstGeom prst="hexagon">
+            <a:avLst/>
+          </a:prstGeom>
+          <a:solidFill>
+            <a:schemeClr val="bg1"/>
+          </a:solidFill>
+          <a:ln w="38100">
+            <a:solidFill>
+              <a:schemeClr val="tx1"/>
+            </a:solidFill>
+          </a:ln>
+        </p:spPr>
+        <p:style>
+          <a:lnRef idx="2">
+            <a:schemeClr val="accent1">
+              <a:shade val="50000"/>
+            </a:schemeClr>
+          </a:lnRef>
+          <a:fillRef idx="1">
+            <a:schemeClr val="accent1"/>
+          </a:fillRef>
+          <a:effectRef idx="0">
+            <a:schemeClr val="accent1"/>
+          </a:effectRef>
+          <a:fontRef idx="minor">
+            <a:schemeClr val="lt1"/>
+          </a:fontRef>
+        </p:style>
+        <p:txBody>
+          <a:bodyPr rtlCol="0" anchor="ctr"/>
+          <a:lstStyle/>
+          <a:p>
+            <a:pPr algn="ctr"/>
+            <a:endParaRPr lang="zh-TW" altLang="en-US"/>
+          </a:p>
+        </p:txBody>
+      </p:sp>
+      <p:sp>
+        <p:nvSpPr>
+          <p:cNvPr id="16" name="六邊形 15"/>
+          <p:cNvSpPr/>
+          <p:nvPr/>
+        </p:nvSpPr>
+        <p:spPr>
+          <a:xfrm rot="10800000">
+            <a:off x="4414612" y="3078677"/>
+            <a:ext cx="651236" cy="561409"/>
+          </a:xfrm>
+          <a:prstGeom prst="hexagon">
+            <a:avLst/>
+          </a:prstGeom>
+          <a:solidFill>
+            <a:schemeClr val="bg1"/>
+          </a:solidFill>
+          <a:ln w="38100">
+            <a:solidFill>
+              <a:schemeClr val="tx1"/>
+            </a:solidFill>
+          </a:ln>
+        </p:spPr>
+        <p:style>
+          <a:lnRef idx="2">
+            <a:schemeClr val="accent1">
+              <a:shade val="50000"/>
+            </a:schemeClr>
+          </a:lnRef>
+          <a:fillRef idx="1">
+            <a:schemeClr val="accent1"/>
+          </a:fillRef>
+          <a:effectRef idx="0">
+            <a:schemeClr val="accent1"/>
+          </a:effectRef>
+          <a:fontRef idx="minor">
+            <a:schemeClr val="lt1"/>
+          </a:fontRef>
+        </p:style>
+        <p:txBody>
+          <a:bodyPr rtlCol="0" anchor="ctr"/>
+          <a:lstStyle/>
+          <a:p>
+            <a:pPr algn="ctr"/>
+            <a:endParaRPr lang="zh-TW" altLang="en-US"/>
+          </a:p>
+        </p:txBody>
+      </p:sp>
+      <p:sp>
+        <p:nvSpPr>
+          <p:cNvPr id="17" name="六邊形 16"/>
+          <p:cNvSpPr/>
+          <p:nvPr/>
+        </p:nvSpPr>
+        <p:spPr>
+          <a:xfrm rot="10800000">
+            <a:off x="4414612" y="2522372"/>
+            <a:ext cx="651236" cy="561409"/>
+          </a:xfrm>
+          <a:prstGeom prst="hexagon">
+            <a:avLst/>
+          </a:prstGeom>
+          <a:solidFill>
+            <a:schemeClr val="bg1"/>
+          </a:solidFill>
+          <a:ln w="38100">
+            <a:solidFill>
+              <a:schemeClr val="tx1"/>
+            </a:solidFill>
+          </a:ln>
+        </p:spPr>
+        <p:style>
+          <a:lnRef idx="2">
+            <a:schemeClr val="accent1">
+              <a:shade val="50000"/>
+            </a:schemeClr>
+          </a:lnRef>
+          <a:fillRef idx="1">
+            <a:schemeClr val="accent1"/>
+          </a:fillRef>
+          <a:effectRef idx="0">
+            <a:schemeClr val="accent1"/>
+          </a:effectRef>
+          <a:fontRef idx="minor">
+            <a:schemeClr val="lt1"/>
+          </a:fontRef>
+        </p:style>
+        <p:txBody>
+          <a:bodyPr rtlCol="0" anchor="ctr"/>
+          <a:lstStyle/>
+          <a:p>
+            <a:pPr algn="ctr"/>
+            <a:endParaRPr lang="zh-TW" altLang="en-US"/>
+          </a:p>
+        </p:txBody>
+      </p:sp>
+      <p:sp>
+        <p:nvSpPr>
+          <p:cNvPr id="18" name="六邊形 17"/>
+          <p:cNvSpPr/>
+          <p:nvPr/>
+        </p:nvSpPr>
+        <p:spPr>
+          <a:xfrm rot="10800000">
+            <a:off x="4414612" y="1966066"/>
+            <a:ext cx="651236" cy="561409"/>
+          </a:xfrm>
+          <a:prstGeom prst="hexagon">
+            <a:avLst/>
+          </a:prstGeom>
+          <a:solidFill>
+            <a:schemeClr val="bg1"/>
+          </a:solidFill>
+          <a:ln w="38100">
+            <a:solidFill>
+              <a:schemeClr val="tx1"/>
+            </a:solidFill>
+          </a:ln>
+        </p:spPr>
+        <p:style>
+          <a:lnRef idx="2">
+            <a:schemeClr val="accent1">
+              <a:shade val="50000"/>
+            </a:schemeClr>
+          </a:lnRef>
+          <a:fillRef idx="1">
+            <a:schemeClr val="accent1"/>
+          </a:fillRef>
+          <a:effectRef idx="0">
+            <a:schemeClr val="accent1"/>
+          </a:effectRef>
+          <a:fontRef idx="minor">
+            <a:schemeClr val="lt1"/>
+          </a:fontRef>
+        </p:style>
+        <p:txBody>
+          <a:bodyPr rtlCol="0" anchor="ctr"/>
+          <a:lstStyle/>
+          <a:p>
+            <a:pPr algn="ctr"/>
+            <a:endParaRPr lang="zh-TW" altLang="en-US"/>
+          </a:p>
+        </p:txBody>
+      </p:sp>
+      <p:sp>
+        <p:nvSpPr>
+          <p:cNvPr id="20" name="六邊形 19"/>
+          <p:cNvSpPr/>
+          <p:nvPr/>
+        </p:nvSpPr>
+        <p:spPr>
+          <a:xfrm rot="10800000">
+            <a:off x="5937734" y="3359382"/>
+            <a:ext cx="651236" cy="561409"/>
+          </a:xfrm>
+          <a:prstGeom prst="hexagon">
+            <a:avLst/>
+          </a:prstGeom>
+          <a:ln w="38100">
+            <a:solidFill>
+              <a:schemeClr val="tx1"/>
+            </a:solidFill>
+          </a:ln>
+        </p:spPr>
+        <p:style>
+          <a:lnRef idx="2">
+            <a:schemeClr val="accent1">
+              <a:shade val="50000"/>
+            </a:schemeClr>
+          </a:lnRef>
+          <a:fillRef idx="1">
+            <a:schemeClr val="accent1"/>
+          </a:fillRef>
+          <a:effectRef idx="0">
+            <a:schemeClr val="accent1"/>
+          </a:effectRef>
+          <a:fontRef idx="minor">
+            <a:schemeClr val="lt1"/>
+          </a:fontRef>
+        </p:style>
+        <p:txBody>
+          <a:bodyPr rtlCol="0" anchor="ctr"/>
+          <a:lstStyle/>
+          <a:p>
+            <a:pPr algn="ctr"/>
+            <a:endParaRPr lang="zh-TW" altLang="en-US"/>
+          </a:p>
+        </p:txBody>
+      </p:sp>
+      <p:sp>
+        <p:nvSpPr>
+          <p:cNvPr id="21" name="六邊形 20"/>
+          <p:cNvSpPr/>
+          <p:nvPr/>
+        </p:nvSpPr>
+        <p:spPr>
+          <a:xfrm rot="10800000">
+            <a:off x="4923794" y="3354278"/>
+            <a:ext cx="651236" cy="561409"/>
+          </a:xfrm>
+          <a:prstGeom prst="hexagon">
+            <a:avLst/>
+          </a:prstGeom>
+          <a:solidFill>
+            <a:schemeClr val="tx2">
+              <a:lumMod val="40000"/>
+              <a:lumOff val="60000"/>
+            </a:schemeClr>
+          </a:solidFill>
+          <a:ln w="38100">
+            <a:solidFill>
+              <a:schemeClr val="tx1"/>
+            </a:solidFill>
+          </a:ln>
+        </p:spPr>
+        <p:style>
+          <a:lnRef idx="2">
+            <a:schemeClr val="accent1">
+              <a:shade val="50000"/>
+            </a:schemeClr>
+          </a:lnRef>
+          <a:fillRef idx="1">
+            <a:schemeClr val="accent1"/>
+          </a:fillRef>
+          <a:effectRef idx="0">
+            <a:schemeClr val="accent1"/>
+          </a:effectRef>
+          <a:fontRef idx="minor">
+            <a:schemeClr val="lt1"/>
+          </a:fontRef>
+        </p:style>
+        <p:txBody>
+          <a:bodyPr rtlCol="0" anchor="ctr"/>
+          <a:lstStyle/>
+          <a:p>
+            <a:pPr algn="ctr"/>
+            <a:endParaRPr lang="zh-TW" altLang="en-US"/>
+          </a:p>
+        </p:txBody>
+      </p:sp>
+      <p:sp>
+        <p:nvSpPr>
+          <p:cNvPr id="22" name="六邊形 21"/>
+          <p:cNvSpPr/>
+          <p:nvPr/>
+        </p:nvSpPr>
+        <p:spPr>
+          <a:xfrm rot="10800000">
+            <a:off x="5430764" y="3636259"/>
+            <a:ext cx="651236" cy="561409"/>
+          </a:xfrm>
+          <a:prstGeom prst="hexagon">
+            <a:avLst/>
+          </a:prstGeom>
+          <a:solidFill>
+            <a:schemeClr val="accent1">
+              <a:lumMod val="60000"/>
+              <a:lumOff val="40000"/>
+            </a:schemeClr>
+          </a:solidFill>
+          <a:ln w="38100">
+            <a:solidFill>
+              <a:schemeClr val="tx1"/>
+            </a:solidFill>
+          </a:ln>
+        </p:spPr>
+        <p:style>
+          <a:lnRef idx="2">
+            <a:schemeClr val="accent1">
+              <a:shade val="50000"/>
+            </a:schemeClr>
+          </a:lnRef>
+          <a:fillRef idx="1">
+            <a:schemeClr val="accent1"/>
+          </a:fillRef>
+          <a:effectRef idx="0">
+            <a:schemeClr val="accent1"/>
+          </a:effectRef>
+          <a:fontRef idx="minor">
+            <a:schemeClr val="lt1"/>
+          </a:fontRef>
+        </p:style>
+        <p:txBody>
+          <a:bodyPr rtlCol="0" anchor="ctr"/>
+          <a:lstStyle/>
+          <a:p>
+            <a:pPr algn="ctr"/>
+            <a:endParaRPr lang="zh-TW" altLang="en-US"/>
+          </a:p>
+        </p:txBody>
+      </p:sp>
+      <p:sp>
+        <p:nvSpPr>
+          <p:cNvPr id="23" name="六邊形 22"/>
+          <p:cNvSpPr/>
+          <p:nvPr/>
+        </p:nvSpPr>
+        <p:spPr>
+          <a:xfrm rot="10800000">
+            <a:off x="6444704" y="3636259"/>
+            <a:ext cx="651236" cy="561409"/>
+          </a:xfrm>
+          <a:prstGeom prst="hexagon">
+            <a:avLst/>
+          </a:prstGeom>
+          <a:ln w="38100">
+            <a:solidFill>
+              <a:schemeClr val="tx1"/>
+            </a:solidFill>
+          </a:ln>
+        </p:spPr>
+        <p:style>
+          <a:lnRef idx="2">
+            <a:schemeClr val="accent1">
+              <a:shade val="50000"/>
+            </a:schemeClr>
+          </a:lnRef>
+          <a:fillRef idx="1">
+            <a:schemeClr val="accent1"/>
+          </a:fillRef>
+          <a:effectRef idx="0">
+            <a:schemeClr val="accent1"/>
+          </a:effectRef>
+          <a:fontRef idx="minor">
+            <a:schemeClr val="lt1"/>
+          </a:fontRef>
+        </p:style>
+        <p:txBody>
+          <a:bodyPr rtlCol="0" anchor="ctr"/>
+          <a:lstStyle/>
+          <a:p>
+            <a:pPr algn="ctr"/>
+            <a:endParaRPr lang="zh-TW" altLang="en-US"/>
+          </a:p>
+        </p:txBody>
+      </p:sp>
+      <p:sp>
+        <p:nvSpPr>
+          <p:cNvPr id="24" name="六邊形 23"/>
+          <p:cNvSpPr/>
+          <p:nvPr/>
+        </p:nvSpPr>
+        <p:spPr>
+          <a:xfrm rot="10800000">
+            <a:off x="5921233" y="1129054"/>
+            <a:ext cx="651236" cy="561409"/>
+          </a:xfrm>
+          <a:prstGeom prst="hexagon">
+            <a:avLst/>
+          </a:prstGeom>
+          <a:solidFill>
+            <a:schemeClr val="bg1"/>
+          </a:solidFill>
+          <a:ln w="38100">
+            <a:solidFill>
+              <a:schemeClr val="tx1"/>
+            </a:solidFill>
+          </a:ln>
+        </p:spPr>
+        <p:style>
+          <a:lnRef idx="2">
+            <a:schemeClr val="accent1">
+              <a:shade val="50000"/>
+            </a:schemeClr>
+          </a:lnRef>
+          <a:fillRef idx="1">
+            <a:schemeClr val="accent1"/>
+          </a:fillRef>
+          <a:effectRef idx="0">
+            <a:schemeClr val="accent1"/>
+          </a:effectRef>
+          <a:fontRef idx="minor">
+            <a:schemeClr val="lt1"/>
+          </a:fontRef>
+        </p:style>
+        <p:txBody>
+          <a:bodyPr rtlCol="0" anchor="ctr"/>
+          <a:lstStyle/>
+          <a:p>
+            <a:pPr algn="ctr"/>
+            <a:endParaRPr lang="zh-TW" altLang="en-US"/>
+          </a:p>
+        </p:txBody>
+      </p:sp>
+      <p:sp>
+        <p:nvSpPr>
+          <p:cNvPr id="26" name="六邊形 25"/>
+          <p:cNvSpPr/>
+          <p:nvPr/>
+        </p:nvSpPr>
+        <p:spPr>
+          <a:xfrm rot="10800000">
+            <a:off x="4414611" y="3631155"/>
+            <a:ext cx="651236" cy="561409"/>
+          </a:xfrm>
+          <a:prstGeom prst="hexagon">
+            <a:avLst/>
+          </a:prstGeom>
+          <a:solidFill>
+            <a:schemeClr val="bg1"/>
+          </a:solidFill>
+          <a:ln w="38100">
+            <a:solidFill>
+              <a:schemeClr val="tx1"/>
+            </a:solidFill>
+          </a:ln>
+        </p:spPr>
+        <p:style>
+          <a:lnRef idx="2">
+            <a:schemeClr val="accent1">
+              <a:shade val="50000"/>
+            </a:schemeClr>
+          </a:lnRef>
+          <a:fillRef idx="1">
+            <a:schemeClr val="accent1"/>
+          </a:fillRef>
+          <a:effectRef idx="0">
+            <a:schemeClr val="accent1"/>
+          </a:effectRef>
+          <a:fontRef idx="minor">
+            <a:schemeClr val="lt1"/>
+          </a:fontRef>
+        </p:style>
+        <p:txBody>
+          <a:bodyPr rtlCol="0" anchor="ctr"/>
+          <a:lstStyle/>
+          <a:p>
+            <a:pPr algn="ctr"/>
+            <a:endParaRPr lang="zh-TW" altLang="en-US"/>
+          </a:p>
+        </p:txBody>
+      </p:sp>
+      <p:sp>
+        <p:nvSpPr>
+          <p:cNvPr id="27" name="六邊形 26"/>
+          <p:cNvSpPr/>
+          <p:nvPr/>
+        </p:nvSpPr>
+        <p:spPr>
+          <a:xfrm rot="10800000">
+            <a:off x="7465625" y="3078676"/>
+            <a:ext cx="651236" cy="561409"/>
+          </a:xfrm>
+          <a:prstGeom prst="hexagon">
+            <a:avLst/>
+          </a:prstGeom>
+          <a:solidFill>
+            <a:schemeClr val="accent1">
+              <a:lumMod val="60000"/>
+              <a:lumOff val="40000"/>
+            </a:schemeClr>
+          </a:solidFill>
+          <a:ln w="38100">
+            <a:solidFill>
+              <a:schemeClr val="tx1"/>
+            </a:solidFill>
+          </a:ln>
+        </p:spPr>
+        <p:style>
+          <a:lnRef idx="2">
+            <a:schemeClr val="accent1">
+              <a:shade val="50000"/>
+            </a:schemeClr>
+          </a:lnRef>
+          <a:fillRef idx="1">
+            <a:schemeClr val="accent1"/>
+          </a:fillRef>
+          <a:effectRef idx="0">
+            <a:schemeClr val="accent1"/>
+          </a:effectRef>
+          <a:fontRef idx="minor">
+            <a:schemeClr val="lt1"/>
+          </a:fontRef>
+        </p:style>
+        <p:txBody>
+          <a:bodyPr rtlCol="0" anchor="ctr"/>
+          <a:lstStyle/>
+          <a:p>
+            <a:pPr algn="ctr"/>
+            <a:endParaRPr lang="zh-TW" altLang="en-US"/>
+          </a:p>
+        </p:txBody>
+      </p:sp>
+      <p:sp>
+        <p:nvSpPr>
+          <p:cNvPr id="28" name="六邊形 27"/>
+          <p:cNvSpPr/>
+          <p:nvPr/>
+        </p:nvSpPr>
+        <p:spPr>
+          <a:xfrm rot="10800000">
+            <a:off x="7465625" y="2522371"/>
+            <a:ext cx="651236" cy="561409"/>
+          </a:xfrm>
+          <a:prstGeom prst="hexagon">
+            <a:avLst/>
+          </a:prstGeom>
+          <a:solidFill>
+            <a:schemeClr val="accent1">
+              <a:lumMod val="60000"/>
+              <a:lumOff val="40000"/>
+            </a:schemeClr>
+          </a:solidFill>
+          <a:ln w="38100">
+            <a:solidFill>
+              <a:schemeClr val="tx1"/>
+            </a:solidFill>
+          </a:ln>
+        </p:spPr>
+        <p:style>
+          <a:lnRef idx="2">
+            <a:schemeClr val="accent1">
+              <a:shade val="50000"/>
+            </a:schemeClr>
+          </a:lnRef>
+          <a:fillRef idx="1">
+            <a:schemeClr val="accent1"/>
+          </a:fillRef>
+          <a:effectRef idx="0">
+            <a:schemeClr val="accent1"/>
+          </a:effectRef>
+          <a:fontRef idx="minor">
+            <a:schemeClr val="lt1"/>
+          </a:fontRef>
+        </p:style>
+        <p:txBody>
+          <a:bodyPr rtlCol="0" anchor="ctr"/>
+          <a:lstStyle/>
+          <a:p>
+            <a:pPr algn="ctr"/>
+            <a:endParaRPr lang="zh-TW" altLang="en-US"/>
+          </a:p>
+        </p:txBody>
+      </p:sp>
+      <p:sp>
+        <p:nvSpPr>
+          <p:cNvPr id="29" name="六邊形 28"/>
+          <p:cNvSpPr/>
+          <p:nvPr/>
+        </p:nvSpPr>
+        <p:spPr>
+          <a:xfrm rot="10800000">
+            <a:off x="6958655" y="2803076"/>
+            <a:ext cx="651236" cy="561409"/>
+          </a:xfrm>
+          <a:prstGeom prst="hexagon">
+            <a:avLst/>
+          </a:prstGeom>
+          <a:ln w="38100">
+            <a:solidFill>
+              <a:schemeClr val="tx1"/>
+            </a:solidFill>
+          </a:ln>
+        </p:spPr>
+        <p:style>
+          <a:lnRef idx="2">
+            <a:schemeClr val="accent1">
+              <a:shade val="50000"/>
+            </a:schemeClr>
+          </a:lnRef>
+          <a:fillRef idx="1">
+            <a:schemeClr val="accent1"/>
+          </a:fillRef>
+          <a:effectRef idx="0">
+            <a:schemeClr val="accent1"/>
+          </a:effectRef>
+          <a:fontRef idx="minor">
+            <a:schemeClr val="lt1"/>
+          </a:fontRef>
+        </p:style>
+        <p:txBody>
+          <a:bodyPr rtlCol="0" anchor="ctr"/>
+          <a:lstStyle/>
+          <a:p>
+            <a:pPr algn="ctr"/>
+            <a:endParaRPr lang="zh-TW" altLang="en-US"/>
+          </a:p>
+        </p:txBody>
+      </p:sp>
+      <p:sp>
+        <p:nvSpPr>
+          <p:cNvPr id="30" name="六邊形 29"/>
+          <p:cNvSpPr/>
+          <p:nvPr/>
+        </p:nvSpPr>
+        <p:spPr>
+          <a:xfrm rot="10800000">
+            <a:off x="7465625" y="1966065"/>
+            <a:ext cx="651236" cy="561409"/>
+          </a:xfrm>
+          <a:prstGeom prst="hexagon">
+            <a:avLst/>
+          </a:prstGeom>
+          <a:solidFill>
+            <a:schemeClr val="tx2">
+              <a:lumMod val="40000"/>
+              <a:lumOff val="60000"/>
+            </a:schemeClr>
+          </a:solidFill>
+          <a:ln w="38100">
+            <a:solidFill>
+              <a:schemeClr val="tx1"/>
+            </a:solidFill>
+          </a:ln>
+        </p:spPr>
+        <p:style>
+          <a:lnRef idx="2">
+            <a:schemeClr val="accent1">
+              <a:shade val="50000"/>
+            </a:schemeClr>
+          </a:lnRef>
+          <a:fillRef idx="1">
+            <a:schemeClr val="accent1"/>
+          </a:fillRef>
+          <a:effectRef idx="0">
+            <a:schemeClr val="accent1"/>
+          </a:effectRef>
+          <a:fontRef idx="minor">
+            <a:schemeClr val="lt1"/>
+          </a:fontRef>
+        </p:style>
+        <p:txBody>
+          <a:bodyPr rtlCol="0" anchor="ctr"/>
+          <a:lstStyle/>
+          <a:p>
+            <a:pPr algn="ctr"/>
+            <a:endParaRPr lang="zh-TW" altLang="en-US"/>
+          </a:p>
+        </p:txBody>
+      </p:sp>
+      <p:sp>
+        <p:nvSpPr>
+          <p:cNvPr id="31" name="六邊形 30"/>
+          <p:cNvSpPr/>
+          <p:nvPr/>
+        </p:nvSpPr>
+        <p:spPr>
+          <a:xfrm rot="10800000">
+            <a:off x="6958655" y="2246770"/>
+            <a:ext cx="651236" cy="561409"/>
+          </a:xfrm>
+          <a:prstGeom prst="hexagon">
+            <a:avLst/>
+          </a:prstGeom>
+          <a:solidFill>
+            <a:schemeClr val="accent1">
+              <a:lumMod val="60000"/>
+              <a:lumOff val="40000"/>
+            </a:schemeClr>
+          </a:solidFill>
+          <a:ln w="38100">
+            <a:solidFill>
+              <a:schemeClr val="tx1"/>
+            </a:solidFill>
+          </a:ln>
+        </p:spPr>
+        <p:style>
+          <a:lnRef idx="2">
+            <a:schemeClr val="accent1">
+              <a:shade val="50000"/>
+            </a:schemeClr>
+          </a:lnRef>
+          <a:fillRef idx="1">
+            <a:schemeClr val="accent1"/>
+          </a:fillRef>
+          <a:effectRef idx="0">
+            <a:schemeClr val="accent1"/>
+          </a:effectRef>
+          <a:fontRef idx="minor">
+            <a:schemeClr val="lt1"/>
+          </a:fontRef>
+        </p:style>
+        <p:txBody>
+          <a:bodyPr rtlCol="0" anchor="ctr"/>
+          <a:lstStyle/>
+          <a:p>
+            <a:pPr algn="ctr"/>
+            <a:endParaRPr lang="zh-TW" altLang="en-US"/>
+          </a:p>
+        </p:txBody>
+      </p:sp>
+      <p:sp>
+        <p:nvSpPr>
+          <p:cNvPr id="32" name="六邊形 31"/>
+          <p:cNvSpPr/>
+          <p:nvPr/>
+        </p:nvSpPr>
+        <p:spPr>
+          <a:xfrm rot="10800000">
+            <a:off x="7458140" y="1399552"/>
+            <a:ext cx="651236" cy="561409"/>
+          </a:xfrm>
+          <a:prstGeom prst="hexagon">
+            <a:avLst/>
+          </a:prstGeom>
+          <a:solidFill>
+            <a:schemeClr val="bg1"/>
+          </a:solidFill>
+          <a:ln w="38100">
+            <a:solidFill>
+              <a:schemeClr val="tx1"/>
+            </a:solidFill>
+          </a:ln>
+        </p:spPr>
+        <p:style>
+          <a:lnRef idx="2">
+            <a:schemeClr val="accent1">
+              <a:shade val="50000"/>
+            </a:schemeClr>
+          </a:lnRef>
+          <a:fillRef idx="1">
+            <a:schemeClr val="accent1"/>
+          </a:fillRef>
+          <a:effectRef idx="0">
+            <a:schemeClr val="accent1"/>
+          </a:effectRef>
+          <a:fontRef idx="minor">
+            <a:schemeClr val="lt1"/>
+          </a:fontRef>
+        </p:style>
+        <p:txBody>
+          <a:bodyPr rtlCol="0" anchor="ctr"/>
+          <a:lstStyle/>
+          <a:p>
+            <a:pPr algn="ctr"/>
+            <a:endParaRPr lang="zh-TW" altLang="en-US"/>
+          </a:p>
+        </p:txBody>
+      </p:sp>
+      <p:sp>
+        <p:nvSpPr>
+          <p:cNvPr id="33" name="六邊形 32"/>
+          <p:cNvSpPr/>
+          <p:nvPr/>
+        </p:nvSpPr>
+        <p:spPr>
+          <a:xfrm rot="10800000">
+            <a:off x="6951169" y="1680257"/>
+            <a:ext cx="651236" cy="561409"/>
+          </a:xfrm>
+          <a:prstGeom prst="hexagon">
+            <a:avLst/>
+          </a:prstGeom>
+          <a:solidFill>
+            <a:schemeClr val="tx2">
+              <a:lumMod val="40000"/>
+              <a:lumOff val="60000"/>
+            </a:schemeClr>
+          </a:solidFill>
+          <a:ln w="38100">
+            <a:solidFill>
+              <a:schemeClr val="tx1"/>
+            </a:solidFill>
+          </a:ln>
+        </p:spPr>
+        <p:style>
+          <a:lnRef idx="2">
+            <a:schemeClr val="accent1">
+              <a:shade val="50000"/>
+            </a:schemeClr>
+          </a:lnRef>
+          <a:fillRef idx="1">
+            <a:schemeClr val="accent1"/>
+          </a:fillRef>
+          <a:effectRef idx="0">
+            <a:schemeClr val="accent1"/>
+          </a:effectRef>
+          <a:fontRef idx="minor">
+            <a:schemeClr val="lt1"/>
+          </a:fontRef>
+        </p:style>
+        <p:txBody>
+          <a:bodyPr rtlCol="0" anchor="ctr"/>
+          <a:lstStyle/>
+          <a:p>
+            <a:pPr algn="ctr"/>
+            <a:endParaRPr lang="zh-TW" altLang="en-US"/>
+          </a:p>
+        </p:txBody>
+      </p:sp>
+      <p:sp>
+        <p:nvSpPr>
+          <p:cNvPr id="34" name="六邊形 33"/>
+          <p:cNvSpPr/>
+          <p:nvPr/>
+        </p:nvSpPr>
+        <p:spPr>
+          <a:xfrm rot="10800000">
+            <a:off x="6958655" y="3354278"/>
+            <a:ext cx="651236" cy="561409"/>
+          </a:xfrm>
+          <a:prstGeom prst="hexagon">
+            <a:avLst/>
+          </a:prstGeom>
+          <a:ln w="38100">
+            <a:solidFill>
+              <a:schemeClr val="tx1"/>
+            </a:solidFill>
+          </a:ln>
+        </p:spPr>
+        <p:style>
+          <a:lnRef idx="2">
+            <a:schemeClr val="accent1">
+              <a:shade val="50000"/>
+            </a:schemeClr>
+          </a:lnRef>
+          <a:fillRef idx="1">
+            <a:schemeClr val="accent1"/>
+          </a:fillRef>
+          <a:effectRef idx="0">
+            <a:schemeClr val="accent1"/>
+          </a:effectRef>
+          <a:fontRef idx="minor">
+            <a:schemeClr val="lt1"/>
+          </a:fontRef>
+        </p:style>
+        <p:txBody>
+          <a:bodyPr rtlCol="0" anchor="ctr"/>
+          <a:lstStyle/>
+          <a:p>
+            <a:pPr algn="ctr"/>
+            <a:endParaRPr lang="zh-TW" altLang="en-US"/>
+          </a:p>
+        </p:txBody>
+      </p:sp>
+      <p:sp>
+        <p:nvSpPr>
+          <p:cNvPr id="35" name="六邊形 34"/>
+          <p:cNvSpPr/>
+          <p:nvPr/>
+        </p:nvSpPr>
+        <p:spPr>
+          <a:xfrm rot="10800000">
+            <a:off x="7465625" y="3631155"/>
+            <a:ext cx="651236" cy="561409"/>
+          </a:xfrm>
+          <a:prstGeom prst="hexagon">
+            <a:avLst/>
+          </a:prstGeom>
+          <a:solidFill>
+            <a:schemeClr val="accent1">
+              <a:lumMod val="60000"/>
+              <a:lumOff val="40000"/>
+            </a:schemeClr>
+          </a:solidFill>
+          <a:ln w="38100">
+            <a:solidFill>
+              <a:schemeClr val="tx1"/>
+            </a:solidFill>
+          </a:ln>
+        </p:spPr>
+        <p:style>
+          <a:lnRef idx="2">
+            <a:schemeClr val="accent1">
+              <a:shade val="50000"/>
+            </a:schemeClr>
+          </a:lnRef>
+          <a:fillRef idx="1">
+            <a:schemeClr val="accent1"/>
+          </a:fillRef>
+          <a:effectRef idx="0">
+            <a:schemeClr val="accent1"/>
+          </a:effectRef>
+          <a:fontRef idx="minor">
+            <a:schemeClr val="lt1"/>
+          </a:fontRef>
+        </p:style>
+        <p:txBody>
+          <a:bodyPr rtlCol="0" anchor="ctr"/>
+          <a:lstStyle/>
+          <a:p>
+            <a:pPr algn="ctr"/>
+            <a:endParaRPr lang="zh-TW" altLang="en-US"/>
+          </a:p>
+        </p:txBody>
+      </p:sp>
+      <p:sp>
+        <p:nvSpPr>
+          <p:cNvPr id="36" name="六邊形 35"/>
+          <p:cNvSpPr/>
+          <p:nvPr/>
+        </p:nvSpPr>
+        <p:spPr>
+          <a:xfrm rot="10800000">
+            <a:off x="6942154" y="1123950"/>
+            <a:ext cx="651236" cy="561409"/>
+          </a:xfrm>
+          <a:prstGeom prst="hexagon">
+            <a:avLst/>
+          </a:prstGeom>
+          <a:solidFill>
+            <a:schemeClr val="bg1"/>
+          </a:solidFill>
+          <a:ln w="38100">
+            <a:solidFill>
+              <a:schemeClr val="tx1"/>
+            </a:solidFill>
+          </a:ln>
+        </p:spPr>
+        <p:style>
+          <a:lnRef idx="2">
+            <a:schemeClr val="accent1">
+              <a:shade val="50000"/>
+            </a:schemeClr>
+          </a:lnRef>
+          <a:fillRef idx="1">
+            <a:schemeClr val="accent1"/>
+          </a:fillRef>
+          <a:effectRef idx="0">
+            <a:schemeClr val="accent1"/>
+          </a:effectRef>
+          <a:fontRef idx="minor">
+            <a:schemeClr val="lt1"/>
+          </a:fontRef>
+        </p:style>
+        <p:txBody>
+          <a:bodyPr rtlCol="0" anchor="ctr"/>
+          <a:lstStyle/>
+          <a:p>
+            <a:pPr algn="ctr"/>
+            <a:endParaRPr lang="zh-TW" altLang="en-US"/>
+          </a:p>
+        </p:txBody>
+      </p:sp>
+      <p:sp>
+        <p:nvSpPr>
+          <p:cNvPr id="37" name="六邊形 36"/>
+          <p:cNvSpPr/>
+          <p:nvPr/>
+        </p:nvSpPr>
+        <p:spPr>
+          <a:xfrm rot="10800000">
+            <a:off x="5944414" y="3911858"/>
+            <a:ext cx="651236" cy="561409"/>
+          </a:xfrm>
+          <a:prstGeom prst="hexagon">
+            <a:avLst/>
+          </a:prstGeom>
+          <a:solidFill>
+            <a:schemeClr val="accent1">
+              <a:lumMod val="60000"/>
+              <a:lumOff val="40000"/>
+            </a:schemeClr>
+          </a:solidFill>
+          <a:ln w="38100">
+            <a:solidFill>
+              <a:schemeClr val="tx1"/>
+            </a:solidFill>
+          </a:ln>
+        </p:spPr>
+        <p:style>
+          <a:lnRef idx="2">
+            <a:schemeClr val="accent1">
+              <a:shade val="50000"/>
+            </a:schemeClr>
+          </a:lnRef>
+          <a:fillRef idx="1">
+            <a:schemeClr val="accent1"/>
+          </a:fillRef>
+          <a:effectRef idx="0">
+            <a:schemeClr val="accent1"/>
+          </a:effectRef>
+          <a:fontRef idx="minor">
+            <a:schemeClr val="lt1"/>
+          </a:fontRef>
+        </p:style>
+        <p:txBody>
+          <a:bodyPr rtlCol="0" anchor="ctr"/>
+          <a:lstStyle/>
+          <a:p>
+            <a:pPr algn="ctr"/>
+            <a:endParaRPr lang="zh-TW" altLang="en-US"/>
+          </a:p>
+        </p:txBody>
+      </p:sp>
+      <p:sp>
+        <p:nvSpPr>
+          <p:cNvPr id="38" name="六邊形 37"/>
+          <p:cNvSpPr/>
+          <p:nvPr/>
+        </p:nvSpPr>
+        <p:spPr>
+          <a:xfrm rot="10800000">
+            <a:off x="6958354" y="3911858"/>
+            <a:ext cx="651236" cy="561409"/>
+          </a:xfrm>
+          <a:prstGeom prst="hexagon">
+            <a:avLst/>
+          </a:prstGeom>
+          <a:solidFill>
+            <a:schemeClr val="accent1">
+              <a:lumMod val="60000"/>
+              <a:lumOff val="40000"/>
+            </a:schemeClr>
+          </a:solidFill>
+          <a:ln w="38100">
+            <a:solidFill>
+              <a:schemeClr val="tx1"/>
+            </a:solidFill>
+          </a:ln>
+        </p:spPr>
+        <p:style>
+          <a:lnRef idx="2">
+            <a:schemeClr val="accent1">
+              <a:shade val="50000"/>
+            </a:schemeClr>
+          </a:lnRef>
+          <a:fillRef idx="1">
+            <a:schemeClr val="accent1"/>
+          </a:fillRef>
+          <a:effectRef idx="0">
+            <a:schemeClr val="accent1"/>
+          </a:effectRef>
+          <a:fontRef idx="minor">
+            <a:schemeClr val="lt1"/>
+          </a:fontRef>
+        </p:style>
+        <p:txBody>
+          <a:bodyPr rtlCol="0" anchor="ctr"/>
+          <a:lstStyle/>
+          <a:p>
+            <a:pPr algn="ctr"/>
+            <a:endParaRPr lang="zh-TW" altLang="en-US"/>
+          </a:p>
+        </p:txBody>
+      </p:sp>
+      <p:sp>
+        <p:nvSpPr>
+          <p:cNvPr id="39" name="六邊形 38"/>
+          <p:cNvSpPr/>
+          <p:nvPr/>
+        </p:nvSpPr>
+        <p:spPr>
+          <a:xfrm rot="10800000">
+            <a:off x="6451384" y="4192563"/>
+            <a:ext cx="651236" cy="561409"/>
+          </a:xfrm>
+          <a:prstGeom prst="hexagon">
+            <a:avLst/>
+          </a:prstGeom>
+          <a:solidFill>
+            <a:schemeClr val="accent1">
+              <a:lumMod val="60000"/>
+              <a:lumOff val="40000"/>
+            </a:schemeClr>
+          </a:solidFill>
+          <a:ln w="38100">
+            <a:solidFill>
+              <a:schemeClr val="tx1"/>
+            </a:solidFill>
+          </a:ln>
+        </p:spPr>
+        <p:style>
+          <a:lnRef idx="2">
+            <a:schemeClr val="accent1">
+              <a:shade val="50000"/>
+            </a:schemeClr>
+          </a:lnRef>
+          <a:fillRef idx="1">
+            <a:schemeClr val="accent1"/>
+          </a:fillRef>
+          <a:effectRef idx="0">
+            <a:schemeClr val="accent1"/>
+          </a:effectRef>
+          <a:fontRef idx="minor">
+            <a:schemeClr val="lt1"/>
+          </a:fontRef>
+        </p:style>
+        <p:txBody>
+          <a:bodyPr rtlCol="0" anchor="ctr"/>
+          <a:lstStyle/>
+          <a:p>
+            <a:pPr algn="ctr"/>
+            <a:endParaRPr lang="zh-TW" altLang="en-US"/>
+          </a:p>
+        </p:txBody>
+      </p:sp>
+      <p:sp>
+        <p:nvSpPr>
+          <p:cNvPr id="40" name="六邊形 39"/>
+          <p:cNvSpPr/>
+          <p:nvPr/>
+        </p:nvSpPr>
+        <p:spPr>
+          <a:xfrm rot="10800000">
+            <a:off x="5442548" y="4192563"/>
+            <a:ext cx="651236" cy="561409"/>
+          </a:xfrm>
+          <a:prstGeom prst="hexagon">
+            <a:avLst/>
+          </a:prstGeom>
+          <a:solidFill>
+            <a:schemeClr val="tx2">
+              <a:lumMod val="40000"/>
+              <a:lumOff val="60000"/>
+            </a:schemeClr>
+          </a:solidFill>
+          <a:ln w="38100">
+            <a:solidFill>
+              <a:schemeClr val="tx1"/>
+            </a:solidFill>
+          </a:ln>
+        </p:spPr>
+        <p:style>
+          <a:lnRef idx="2">
+            <a:schemeClr val="accent1">
+              <a:shade val="50000"/>
+            </a:schemeClr>
+          </a:lnRef>
+          <a:fillRef idx="1">
+            <a:schemeClr val="accent1"/>
+          </a:fillRef>
+          <a:effectRef idx="0">
+            <a:schemeClr val="accent1"/>
+          </a:effectRef>
+          <a:fontRef idx="minor">
+            <a:schemeClr val="lt1"/>
+          </a:fontRef>
+        </p:style>
+        <p:txBody>
+          <a:bodyPr rtlCol="0" anchor="ctr"/>
+          <a:lstStyle/>
+          <a:p>
+            <a:pPr algn="ctr"/>
+            <a:endParaRPr lang="zh-TW" altLang="en-US"/>
+          </a:p>
+        </p:txBody>
+      </p:sp>
+      <p:sp>
+        <p:nvSpPr>
+          <p:cNvPr id="41" name="六邊形 40"/>
+          <p:cNvSpPr/>
+          <p:nvPr/>
+        </p:nvSpPr>
+        <p:spPr>
+          <a:xfrm rot="10800000">
+            <a:off x="4928261" y="3906755"/>
+            <a:ext cx="651236" cy="561409"/>
+          </a:xfrm>
+          <a:prstGeom prst="hexagon">
+            <a:avLst/>
+          </a:prstGeom>
+          <a:solidFill>
+            <a:schemeClr val="tx2">
+              <a:lumMod val="40000"/>
+              <a:lumOff val="60000"/>
+            </a:schemeClr>
+          </a:solidFill>
+          <a:ln w="38100">
+            <a:solidFill>
+              <a:schemeClr val="tx1"/>
+            </a:solidFill>
+          </a:ln>
+        </p:spPr>
+        <p:style>
+          <a:lnRef idx="2">
+            <a:schemeClr val="accent1">
+              <a:shade val="50000"/>
+            </a:schemeClr>
+          </a:lnRef>
+          <a:fillRef idx="1">
+            <a:schemeClr val="accent1"/>
+          </a:fillRef>
+          <a:effectRef idx="0">
+            <a:schemeClr val="accent1"/>
+          </a:effectRef>
+          <a:fontRef idx="minor">
+            <a:schemeClr val="lt1"/>
+          </a:fontRef>
+        </p:style>
+        <p:txBody>
+          <a:bodyPr rtlCol="0" anchor="ctr"/>
+          <a:lstStyle/>
+          <a:p>
+            <a:pPr algn="ctr"/>
+            <a:endParaRPr lang="zh-TW" altLang="en-US"/>
+          </a:p>
+        </p:txBody>
+      </p:sp>
+      <p:sp>
+        <p:nvSpPr>
+          <p:cNvPr id="42" name="六邊形 41"/>
+          <p:cNvSpPr/>
+          <p:nvPr/>
+        </p:nvSpPr>
+        <p:spPr>
+          <a:xfrm rot="10800000">
+            <a:off x="7979275" y="3906754"/>
+            <a:ext cx="651236" cy="561409"/>
+          </a:xfrm>
+          <a:prstGeom prst="hexagon">
+            <a:avLst/>
+          </a:prstGeom>
+          <a:solidFill>
+            <a:schemeClr val="tx2">
+              <a:lumMod val="40000"/>
+              <a:lumOff val="60000"/>
+            </a:schemeClr>
+          </a:solidFill>
+          <a:ln w="38100">
+            <a:solidFill>
+              <a:schemeClr val="tx1"/>
+            </a:solidFill>
+          </a:ln>
+        </p:spPr>
+        <p:style>
+          <a:lnRef idx="2">
+            <a:schemeClr val="accent1">
+              <a:shade val="50000"/>
+            </a:schemeClr>
+          </a:lnRef>
+          <a:fillRef idx="1">
+            <a:schemeClr val="accent1"/>
+          </a:fillRef>
+          <a:effectRef idx="0">
+            <a:schemeClr val="accent1"/>
+          </a:effectRef>
+          <a:fontRef idx="minor">
+            <a:schemeClr val="lt1"/>
+          </a:fontRef>
+        </p:style>
+        <p:txBody>
+          <a:bodyPr rtlCol="0" anchor="ctr"/>
+          <a:lstStyle/>
+          <a:p>
+            <a:pPr algn="ctr"/>
+            <a:endParaRPr lang="zh-TW" altLang="en-US"/>
+          </a:p>
+        </p:txBody>
+      </p:sp>
+      <p:sp>
+        <p:nvSpPr>
+          <p:cNvPr id="43" name="六邊形 42"/>
+          <p:cNvSpPr/>
+          <p:nvPr/>
+        </p:nvSpPr>
+        <p:spPr>
+          <a:xfrm rot="10800000">
+            <a:off x="7472304" y="4187459"/>
+            <a:ext cx="651236" cy="561409"/>
+          </a:xfrm>
+          <a:prstGeom prst="hexagon">
+            <a:avLst/>
+          </a:prstGeom>
+          <a:solidFill>
+            <a:schemeClr val="tx2">
+              <a:lumMod val="40000"/>
+              <a:lumOff val="60000"/>
+            </a:schemeClr>
+          </a:solidFill>
+          <a:ln w="38100">
+            <a:solidFill>
+              <a:schemeClr val="tx1"/>
+            </a:solidFill>
+          </a:ln>
+        </p:spPr>
+        <p:style>
+          <a:lnRef idx="2">
+            <a:schemeClr val="accent1">
+              <a:shade val="50000"/>
+            </a:schemeClr>
+          </a:lnRef>
+          <a:fillRef idx="1">
+            <a:schemeClr val="accent1"/>
+          </a:fillRef>
+          <a:effectRef idx="0">
+            <a:schemeClr val="accent1"/>
+          </a:effectRef>
+          <a:fontRef idx="minor">
+            <a:schemeClr val="lt1"/>
+          </a:fontRef>
+        </p:style>
+        <p:txBody>
+          <a:bodyPr rtlCol="0" anchor="ctr"/>
+          <a:lstStyle/>
+          <a:p>
+            <a:pPr algn="ctr"/>
+            <a:endParaRPr lang="zh-TW" altLang="en-US"/>
+          </a:p>
+        </p:txBody>
+      </p:sp>
+      <p:sp>
+        <p:nvSpPr>
+          <p:cNvPr id="44" name="六邊形 43"/>
+          <p:cNvSpPr/>
+          <p:nvPr/>
+        </p:nvSpPr>
+        <p:spPr>
+          <a:xfrm rot="10800000">
+            <a:off x="8484504" y="3083098"/>
+            <a:ext cx="651236" cy="561409"/>
+          </a:xfrm>
+          <a:prstGeom prst="hexagon">
+            <a:avLst/>
+          </a:prstGeom>
+          <a:solidFill>
+            <a:schemeClr val="bg1"/>
+          </a:solidFill>
+          <a:ln w="38100">
+            <a:solidFill>
+              <a:schemeClr val="tx1"/>
+            </a:solidFill>
+          </a:ln>
+        </p:spPr>
+        <p:style>
+          <a:lnRef idx="2">
+            <a:schemeClr val="accent1">
+              <a:shade val="50000"/>
+            </a:schemeClr>
+          </a:lnRef>
+          <a:fillRef idx="1">
+            <a:schemeClr val="accent1"/>
+          </a:fillRef>
+          <a:effectRef idx="0">
+            <a:schemeClr val="accent1"/>
+          </a:effectRef>
+          <a:fontRef idx="minor">
+            <a:schemeClr val="lt1"/>
+          </a:fontRef>
+        </p:style>
+        <p:txBody>
+          <a:bodyPr rtlCol="0" anchor="ctr"/>
+          <a:lstStyle/>
+          <a:p>
+            <a:pPr algn="ctr"/>
+            <a:endParaRPr lang="zh-TW" altLang="en-US"/>
+          </a:p>
+        </p:txBody>
+      </p:sp>
+      <p:sp>
+        <p:nvSpPr>
+          <p:cNvPr id="45" name="六邊形 44"/>
+          <p:cNvSpPr/>
+          <p:nvPr/>
+        </p:nvSpPr>
+        <p:spPr>
+          <a:xfrm rot="10800000">
+            <a:off x="8484504" y="2526793"/>
+            <a:ext cx="651236" cy="561409"/>
+          </a:xfrm>
+          <a:prstGeom prst="hexagon">
+            <a:avLst/>
+          </a:prstGeom>
+          <a:solidFill>
+            <a:schemeClr val="bg1"/>
+          </a:solidFill>
+          <a:ln w="38100">
+            <a:solidFill>
+              <a:schemeClr val="tx1"/>
+            </a:solidFill>
+          </a:ln>
+        </p:spPr>
+        <p:style>
+          <a:lnRef idx="2">
+            <a:schemeClr val="accent1">
+              <a:shade val="50000"/>
+            </a:schemeClr>
+          </a:lnRef>
+          <a:fillRef idx="1">
+            <a:schemeClr val="accent1"/>
+          </a:fillRef>
+          <a:effectRef idx="0">
+            <a:schemeClr val="accent1"/>
+          </a:effectRef>
+          <a:fontRef idx="minor">
+            <a:schemeClr val="lt1"/>
+          </a:fontRef>
+        </p:style>
+        <p:txBody>
+          <a:bodyPr rtlCol="0" anchor="ctr"/>
+          <a:lstStyle/>
+          <a:p>
+            <a:pPr algn="ctr"/>
+            <a:endParaRPr lang="zh-TW" altLang="en-US"/>
+          </a:p>
+        </p:txBody>
+      </p:sp>
+      <p:sp>
+        <p:nvSpPr>
+          <p:cNvPr id="46" name="六邊形 45"/>
+          <p:cNvSpPr/>
+          <p:nvPr/>
+        </p:nvSpPr>
+        <p:spPr>
+          <a:xfrm rot="10800000">
+            <a:off x="7977534" y="2807498"/>
+            <a:ext cx="651236" cy="561409"/>
+          </a:xfrm>
+          <a:prstGeom prst="hexagon">
+            <a:avLst/>
+          </a:prstGeom>
+          <a:solidFill>
+            <a:schemeClr val="tx2">
+              <a:lumMod val="40000"/>
+              <a:lumOff val="60000"/>
+            </a:schemeClr>
+          </a:solidFill>
+          <a:ln w="38100">
+            <a:solidFill>
+              <a:schemeClr val="tx1"/>
+            </a:solidFill>
+          </a:ln>
+        </p:spPr>
+        <p:style>
+          <a:lnRef idx="2">
+            <a:schemeClr val="accent1">
+              <a:shade val="50000"/>
+            </a:schemeClr>
+          </a:lnRef>
+          <a:fillRef idx="1">
+            <a:schemeClr val="accent1"/>
+          </a:fillRef>
+          <a:effectRef idx="0">
+            <a:schemeClr val="accent1"/>
+          </a:effectRef>
+          <a:fontRef idx="minor">
+            <a:schemeClr val="lt1"/>
+          </a:fontRef>
+        </p:style>
+        <p:txBody>
+          <a:bodyPr rtlCol="0" anchor="ctr"/>
+          <a:lstStyle/>
+          <a:p>
+            <a:pPr algn="ctr"/>
+            <a:endParaRPr lang="zh-TW" altLang="en-US"/>
+          </a:p>
+        </p:txBody>
+      </p:sp>
+      <p:sp>
+        <p:nvSpPr>
+          <p:cNvPr id="47" name="六邊形 46"/>
+          <p:cNvSpPr/>
+          <p:nvPr/>
+        </p:nvSpPr>
+        <p:spPr>
+          <a:xfrm rot="10800000">
+            <a:off x="8484504" y="1970487"/>
+            <a:ext cx="651236" cy="561409"/>
+          </a:xfrm>
+          <a:prstGeom prst="hexagon">
+            <a:avLst/>
+          </a:prstGeom>
+          <a:solidFill>
+            <a:schemeClr val="bg1"/>
+          </a:solidFill>
+          <a:ln w="38100">
+            <a:solidFill>
+              <a:schemeClr val="tx1"/>
+            </a:solidFill>
+          </a:ln>
+        </p:spPr>
+        <p:style>
+          <a:lnRef idx="2">
+            <a:schemeClr val="accent1">
+              <a:shade val="50000"/>
+            </a:schemeClr>
+          </a:lnRef>
+          <a:fillRef idx="1">
+            <a:schemeClr val="accent1"/>
+          </a:fillRef>
+          <a:effectRef idx="0">
+            <a:schemeClr val="accent1"/>
+          </a:effectRef>
+          <a:fontRef idx="minor">
+            <a:schemeClr val="lt1"/>
+          </a:fontRef>
+        </p:style>
+        <p:txBody>
+          <a:bodyPr rtlCol="0" anchor="ctr"/>
+          <a:lstStyle/>
+          <a:p>
+            <a:pPr algn="ctr"/>
+            <a:endParaRPr lang="zh-TW" altLang="en-US"/>
+          </a:p>
+        </p:txBody>
+      </p:sp>
+      <p:sp>
+        <p:nvSpPr>
+          <p:cNvPr id="48" name="六邊形 47"/>
+          <p:cNvSpPr/>
+          <p:nvPr/>
+        </p:nvSpPr>
+        <p:spPr>
+          <a:xfrm rot="10800000">
+            <a:off x="7977534" y="2251192"/>
+            <a:ext cx="651236" cy="561409"/>
+          </a:xfrm>
+          <a:prstGeom prst="hexagon">
+            <a:avLst/>
+          </a:prstGeom>
+          <a:solidFill>
+            <a:schemeClr val="tx2">
+              <a:lumMod val="40000"/>
+              <a:lumOff val="60000"/>
+            </a:schemeClr>
+          </a:solidFill>
+          <a:ln w="38100">
+            <a:solidFill>
+              <a:schemeClr val="tx1"/>
+            </a:solidFill>
+          </a:ln>
+        </p:spPr>
+        <p:style>
+          <a:lnRef idx="2">
+            <a:schemeClr val="accent1">
+              <a:shade val="50000"/>
+            </a:schemeClr>
+          </a:lnRef>
+          <a:fillRef idx="1">
+            <a:schemeClr val="accent1"/>
+          </a:fillRef>
+          <a:effectRef idx="0">
+            <a:schemeClr val="accent1"/>
+          </a:effectRef>
+          <a:fontRef idx="minor">
+            <a:schemeClr val="lt1"/>
+          </a:fontRef>
+        </p:style>
+        <p:txBody>
+          <a:bodyPr rtlCol="0" anchor="ctr"/>
+          <a:lstStyle/>
+          <a:p>
+            <a:pPr algn="ctr"/>
+            <a:endParaRPr lang="zh-TW" altLang="en-US"/>
+          </a:p>
+        </p:txBody>
+      </p:sp>
+      <p:sp>
+        <p:nvSpPr>
+          <p:cNvPr id="50" name="六邊形 49"/>
+          <p:cNvSpPr/>
+          <p:nvPr/>
+        </p:nvSpPr>
+        <p:spPr>
+          <a:xfrm rot="10800000">
+            <a:off x="7970048" y="1684679"/>
+            <a:ext cx="651236" cy="561409"/>
+          </a:xfrm>
+          <a:prstGeom prst="hexagon">
+            <a:avLst/>
+          </a:prstGeom>
+          <a:solidFill>
+            <a:schemeClr val="bg1"/>
+          </a:solidFill>
+          <a:ln w="38100">
+            <a:solidFill>
+              <a:schemeClr val="tx1"/>
+            </a:solidFill>
+          </a:ln>
+        </p:spPr>
+        <p:style>
+          <a:lnRef idx="2">
+            <a:schemeClr val="accent1">
+              <a:shade val="50000"/>
+            </a:schemeClr>
+          </a:lnRef>
+          <a:fillRef idx="1">
+            <a:schemeClr val="accent1"/>
+          </a:fillRef>
+          <a:effectRef idx="0">
+            <a:schemeClr val="accent1"/>
+          </a:effectRef>
+          <a:fontRef idx="minor">
+            <a:schemeClr val="lt1"/>
+          </a:fontRef>
+        </p:style>
+        <p:txBody>
+          <a:bodyPr rtlCol="0" anchor="ctr"/>
+          <a:lstStyle/>
+          <a:p>
+            <a:pPr algn="ctr"/>
+            <a:endParaRPr lang="zh-TW" altLang="en-US"/>
+          </a:p>
+        </p:txBody>
+      </p:sp>
+      <p:sp>
+        <p:nvSpPr>
+          <p:cNvPr id="51" name="六邊形 50"/>
+          <p:cNvSpPr/>
+          <p:nvPr/>
+        </p:nvSpPr>
+        <p:spPr>
+          <a:xfrm rot="10800000">
+            <a:off x="7977534" y="3358700"/>
+            <a:ext cx="651236" cy="561409"/>
+          </a:xfrm>
+          <a:prstGeom prst="hexagon">
+            <a:avLst/>
+          </a:prstGeom>
+          <a:solidFill>
+            <a:schemeClr val="tx2">
+              <a:lumMod val="40000"/>
+              <a:lumOff val="60000"/>
+            </a:schemeClr>
+          </a:solidFill>
+          <a:ln w="38100">
+            <a:solidFill>
+              <a:schemeClr val="tx1"/>
+            </a:solidFill>
+          </a:ln>
+        </p:spPr>
+        <p:style>
+          <a:lnRef idx="2">
+            <a:schemeClr val="accent1">
+              <a:shade val="50000"/>
+            </a:schemeClr>
+          </a:lnRef>
+          <a:fillRef idx="1">
+            <a:schemeClr val="accent1"/>
+          </a:fillRef>
+          <a:effectRef idx="0">
+            <a:schemeClr val="accent1"/>
+          </a:effectRef>
+          <a:fontRef idx="minor">
+            <a:schemeClr val="lt1"/>
+          </a:fontRef>
+        </p:style>
+        <p:txBody>
+          <a:bodyPr rtlCol="0" anchor="ctr"/>
+          <a:lstStyle/>
+          <a:p>
+            <a:pPr algn="ctr"/>
+            <a:endParaRPr lang="zh-TW" altLang="en-US"/>
+          </a:p>
+        </p:txBody>
+      </p:sp>
+      <p:sp>
+        <p:nvSpPr>
+          <p:cNvPr id="52" name="六邊形 51"/>
+          <p:cNvSpPr/>
+          <p:nvPr/>
+        </p:nvSpPr>
+        <p:spPr>
+          <a:xfrm rot="10800000">
+            <a:off x="8484504" y="3635577"/>
+            <a:ext cx="651236" cy="561409"/>
+          </a:xfrm>
+          <a:prstGeom prst="hexagon">
+            <a:avLst/>
+          </a:prstGeom>
+          <a:solidFill>
+            <a:schemeClr val="bg1"/>
+          </a:solidFill>
+          <a:ln w="38100">
+            <a:solidFill>
+              <a:schemeClr val="tx1"/>
+            </a:solidFill>
+          </a:ln>
+        </p:spPr>
+        <p:style>
+          <a:lnRef idx="2">
+            <a:schemeClr val="accent1">
+              <a:shade val="50000"/>
+            </a:schemeClr>
+          </a:lnRef>
+          <a:fillRef idx="1">
+            <a:schemeClr val="accent1"/>
+          </a:fillRef>
+          <a:effectRef idx="0">
+            <a:schemeClr val="accent1"/>
+          </a:effectRef>
+          <a:fontRef idx="minor">
+            <a:schemeClr val="lt1"/>
+          </a:fontRef>
+        </p:style>
+        <p:txBody>
+          <a:bodyPr rtlCol="0" anchor="ctr"/>
+          <a:lstStyle/>
+          <a:p>
+            <a:pPr algn="ctr"/>
+            <a:endParaRPr lang="zh-TW" altLang="en-US"/>
+          </a:p>
+        </p:txBody>
+      </p:sp>
+      <p:sp>
+        <p:nvSpPr>
+          <p:cNvPr id="54" name="六邊形 53"/>
+          <p:cNvSpPr/>
+          <p:nvPr/>
+        </p:nvSpPr>
+        <p:spPr>
+          <a:xfrm rot="10800000">
+            <a:off x="8491183" y="4191881"/>
+            <a:ext cx="651236" cy="561409"/>
+          </a:xfrm>
+          <a:prstGeom prst="hexagon">
+            <a:avLst/>
+          </a:prstGeom>
+          <a:solidFill>
+            <a:schemeClr val="bg1"/>
+          </a:solidFill>
+          <a:ln w="38100">
+            <a:solidFill>
+              <a:schemeClr val="tx1"/>
+            </a:solidFill>
+          </a:ln>
+        </p:spPr>
+        <p:style>
+          <a:lnRef idx="2">
+            <a:schemeClr val="accent1">
+              <a:shade val="50000"/>
+            </a:schemeClr>
+          </a:lnRef>
+          <a:fillRef idx="1">
+            <a:schemeClr val="accent1"/>
+          </a:fillRef>
+          <a:effectRef idx="0">
+            <a:schemeClr val="accent1"/>
+          </a:effectRef>
+          <a:fontRef idx="minor">
+            <a:schemeClr val="lt1"/>
+          </a:fontRef>
+        </p:style>
+        <p:txBody>
+          <a:bodyPr rtlCol="0" anchor="ctr"/>
+          <a:lstStyle/>
+          <a:p>
+            <a:pPr algn="ctr"/>
+            <a:endParaRPr lang="zh-TW" altLang="en-US"/>
+          </a:p>
+        </p:txBody>
+      </p:sp>
+      <p:sp>
+        <p:nvSpPr>
+          <p:cNvPr id="55" name="六邊形 54"/>
+          <p:cNvSpPr/>
+          <p:nvPr/>
+        </p:nvSpPr>
+        <p:spPr>
+          <a:xfrm rot="10800000">
+            <a:off x="4440392" y="4191882"/>
+            <a:ext cx="651236" cy="561409"/>
+          </a:xfrm>
+          <a:prstGeom prst="hexagon">
+            <a:avLst/>
+          </a:prstGeom>
+          <a:solidFill>
+            <a:schemeClr val="bg1"/>
+          </a:solidFill>
+          <a:ln w="38100">
+            <a:solidFill>
+              <a:schemeClr val="tx1"/>
+            </a:solidFill>
+          </a:ln>
+        </p:spPr>
+        <p:style>
+          <a:lnRef idx="2">
+            <a:schemeClr val="accent1">
+              <a:shade val="50000"/>
+            </a:schemeClr>
+          </a:lnRef>
+          <a:fillRef idx="1">
+            <a:schemeClr val="accent1"/>
+          </a:fillRef>
+          <a:effectRef idx="0">
+            <a:schemeClr val="accent1"/>
+          </a:effectRef>
+          <a:fontRef idx="minor">
+            <a:schemeClr val="lt1"/>
+          </a:fontRef>
+        </p:style>
+        <p:txBody>
+          <a:bodyPr rtlCol="0" anchor="ctr"/>
+          <a:lstStyle/>
+          <a:p>
+            <a:pPr algn="ctr"/>
+            <a:endParaRPr lang="zh-TW" altLang="en-US"/>
+          </a:p>
+        </p:txBody>
+      </p:sp>
+      <p:sp>
+        <p:nvSpPr>
+          <p:cNvPr id="56" name="六邊形 55"/>
+          <p:cNvSpPr/>
+          <p:nvPr/>
+        </p:nvSpPr>
+        <p:spPr>
+          <a:xfrm rot="10800000">
+            <a:off x="5447020" y="4734239"/>
+            <a:ext cx="651236" cy="561409"/>
+          </a:xfrm>
+          <a:prstGeom prst="hexagon">
+            <a:avLst/>
+          </a:prstGeom>
+          <a:solidFill>
+            <a:schemeClr val="bg1"/>
+          </a:solidFill>
+          <a:ln w="38100">
+            <a:solidFill>
+              <a:schemeClr val="tx1"/>
+            </a:solidFill>
+          </a:ln>
+        </p:spPr>
+        <p:style>
+          <a:lnRef idx="2">
+            <a:schemeClr val="accent1">
+              <a:shade val="50000"/>
+            </a:schemeClr>
+          </a:lnRef>
+          <a:fillRef idx="1">
+            <a:schemeClr val="accent1"/>
+          </a:fillRef>
+          <a:effectRef idx="0">
+            <a:schemeClr val="accent1"/>
+          </a:effectRef>
+          <a:fontRef idx="minor">
+            <a:schemeClr val="lt1"/>
+          </a:fontRef>
+        </p:style>
+        <p:txBody>
+          <a:bodyPr rtlCol="0" anchor="ctr"/>
+          <a:lstStyle/>
+          <a:p>
+            <a:pPr algn="ctr"/>
+            <a:endParaRPr lang="zh-TW" altLang="en-US"/>
+          </a:p>
+        </p:txBody>
+      </p:sp>
+      <p:sp>
+        <p:nvSpPr>
+          <p:cNvPr id="57" name="六邊形 56"/>
+          <p:cNvSpPr/>
+          <p:nvPr/>
+        </p:nvSpPr>
+        <p:spPr>
+          <a:xfrm rot="10800000">
+            <a:off x="6460960" y="4734239"/>
+            <a:ext cx="651236" cy="561409"/>
+          </a:xfrm>
+          <a:prstGeom prst="hexagon">
+            <a:avLst/>
+          </a:prstGeom>
+          <a:solidFill>
+            <a:schemeClr val="tx2">
+              <a:lumMod val="40000"/>
+              <a:lumOff val="60000"/>
+            </a:schemeClr>
+          </a:solidFill>
+          <a:ln w="38100">
+            <a:solidFill>
+              <a:schemeClr val="tx1"/>
+            </a:solidFill>
+          </a:ln>
+        </p:spPr>
+        <p:style>
+          <a:lnRef idx="2">
+            <a:schemeClr val="accent1">
+              <a:shade val="50000"/>
+            </a:schemeClr>
+          </a:lnRef>
+          <a:fillRef idx="1">
+            <a:schemeClr val="accent1"/>
+          </a:fillRef>
+          <a:effectRef idx="0">
+            <a:schemeClr val="accent1"/>
+          </a:effectRef>
+          <a:fontRef idx="minor">
+            <a:schemeClr val="lt1"/>
+          </a:fontRef>
+        </p:style>
+        <p:txBody>
+          <a:bodyPr rtlCol="0" anchor="ctr"/>
+          <a:lstStyle/>
+          <a:p>
+            <a:pPr algn="ctr"/>
+            <a:endParaRPr lang="zh-TW" altLang="en-US"/>
+          </a:p>
+        </p:txBody>
+      </p:sp>
+      <p:sp>
+        <p:nvSpPr>
+          <p:cNvPr id="58" name="六邊形 57"/>
+          <p:cNvSpPr/>
+          <p:nvPr/>
+        </p:nvSpPr>
+        <p:spPr>
+          <a:xfrm rot="10800000">
+            <a:off x="5953990" y="4458639"/>
+            <a:ext cx="651236" cy="561409"/>
+          </a:xfrm>
+          <a:prstGeom prst="hexagon">
+            <a:avLst/>
+          </a:prstGeom>
+          <a:solidFill>
+            <a:schemeClr val="tx2">
+              <a:lumMod val="40000"/>
+              <a:lumOff val="60000"/>
+            </a:schemeClr>
+          </a:solidFill>
+          <a:ln w="38100">
+            <a:solidFill>
+              <a:schemeClr val="tx1"/>
+            </a:solidFill>
+          </a:ln>
+        </p:spPr>
+        <p:style>
+          <a:lnRef idx="2">
+            <a:schemeClr val="accent1">
+              <a:shade val="50000"/>
+            </a:schemeClr>
+          </a:lnRef>
+          <a:fillRef idx="1">
+            <a:schemeClr val="accent1"/>
+          </a:fillRef>
+          <a:effectRef idx="0">
+            <a:schemeClr val="accent1"/>
+          </a:effectRef>
+          <a:fontRef idx="minor">
+            <a:schemeClr val="lt1"/>
+          </a:fontRef>
+        </p:style>
+        <p:txBody>
+          <a:bodyPr rtlCol="0" anchor="ctr"/>
+          <a:lstStyle/>
+          <a:p>
+            <a:pPr algn="ctr"/>
+            <a:endParaRPr lang="zh-TW" altLang="en-US"/>
+          </a:p>
+        </p:txBody>
+      </p:sp>
+      <p:sp>
+        <p:nvSpPr>
+          <p:cNvPr id="59" name="六邊形 58"/>
+          <p:cNvSpPr/>
+          <p:nvPr/>
+        </p:nvSpPr>
+        <p:spPr>
+          <a:xfrm rot="10800000">
+            <a:off x="4940050" y="4453534"/>
+            <a:ext cx="651236" cy="561409"/>
+          </a:xfrm>
+          <a:prstGeom prst="hexagon">
+            <a:avLst/>
+          </a:prstGeom>
+          <a:solidFill>
+            <a:schemeClr val="bg1"/>
+          </a:solidFill>
+          <a:ln w="38100">
+            <a:solidFill>
+              <a:schemeClr val="tx1"/>
+            </a:solidFill>
+          </a:ln>
+        </p:spPr>
+        <p:style>
+          <a:lnRef idx="2">
+            <a:schemeClr val="accent1">
+              <a:shade val="50000"/>
+            </a:schemeClr>
+          </a:lnRef>
+          <a:fillRef idx="1">
+            <a:schemeClr val="accent1"/>
+          </a:fillRef>
+          <a:effectRef idx="0">
+            <a:schemeClr val="accent1"/>
+          </a:effectRef>
+          <a:fontRef idx="minor">
+            <a:schemeClr val="lt1"/>
+          </a:fontRef>
+        </p:style>
+        <p:txBody>
+          <a:bodyPr rtlCol="0" anchor="ctr"/>
+          <a:lstStyle/>
+          <a:p>
+            <a:pPr algn="ctr"/>
+            <a:endParaRPr lang="zh-TW" altLang="en-US"/>
+          </a:p>
+        </p:txBody>
+      </p:sp>
+      <p:sp>
+        <p:nvSpPr>
+          <p:cNvPr id="61" name="六邊形 60"/>
+          <p:cNvSpPr/>
+          <p:nvPr/>
+        </p:nvSpPr>
+        <p:spPr>
+          <a:xfrm rot="10800000">
+            <a:off x="7481881" y="4729134"/>
+            <a:ext cx="651236" cy="561409"/>
+          </a:xfrm>
+          <a:prstGeom prst="hexagon">
+            <a:avLst/>
+          </a:prstGeom>
+          <a:solidFill>
+            <a:schemeClr val="bg1"/>
+          </a:solidFill>
+          <a:ln w="38100">
+            <a:solidFill>
+              <a:schemeClr val="tx1"/>
+            </a:solidFill>
+          </a:ln>
+        </p:spPr>
+        <p:style>
+          <a:lnRef idx="2">
+            <a:schemeClr val="accent1">
+              <a:shade val="50000"/>
+            </a:schemeClr>
+          </a:lnRef>
+          <a:fillRef idx="1">
+            <a:schemeClr val="accent1"/>
+          </a:fillRef>
+          <a:effectRef idx="0">
+            <a:schemeClr val="accent1"/>
+          </a:effectRef>
+          <a:fontRef idx="minor">
+            <a:schemeClr val="lt1"/>
+          </a:fontRef>
+        </p:style>
+        <p:txBody>
+          <a:bodyPr rtlCol="0" anchor="ctr"/>
+          <a:lstStyle/>
+          <a:p>
+            <a:pPr algn="ctr"/>
+            <a:endParaRPr lang="zh-TW" altLang="en-US"/>
+          </a:p>
+        </p:txBody>
+      </p:sp>
+      <p:sp>
+        <p:nvSpPr>
+          <p:cNvPr id="62" name="六邊形 61"/>
+          <p:cNvSpPr/>
+          <p:nvPr/>
+        </p:nvSpPr>
+        <p:spPr>
+          <a:xfrm rot="10800000">
+            <a:off x="6974911" y="4453534"/>
+            <a:ext cx="651236" cy="561409"/>
+          </a:xfrm>
+          <a:prstGeom prst="hexagon">
+            <a:avLst/>
+          </a:prstGeom>
+          <a:solidFill>
+            <a:schemeClr val="tx2">
+              <a:lumMod val="40000"/>
+              <a:lumOff val="60000"/>
+            </a:schemeClr>
+          </a:solidFill>
+          <a:ln w="38100">
+            <a:solidFill>
+              <a:schemeClr val="tx1"/>
+            </a:solidFill>
+          </a:ln>
+        </p:spPr>
+        <p:style>
+          <a:lnRef idx="2">
+            <a:schemeClr val="accent1">
+              <a:shade val="50000"/>
+            </a:schemeClr>
+          </a:lnRef>
+          <a:fillRef idx="1">
+            <a:schemeClr val="accent1"/>
+          </a:fillRef>
+          <a:effectRef idx="0">
+            <a:schemeClr val="accent1"/>
+          </a:effectRef>
+          <a:fontRef idx="minor">
+            <a:schemeClr val="lt1"/>
+          </a:fontRef>
+        </p:style>
+        <p:txBody>
+          <a:bodyPr rtlCol="0" anchor="ctr"/>
+          <a:lstStyle/>
+          <a:p>
+            <a:pPr algn="ctr"/>
+            <a:endParaRPr lang="zh-TW" altLang="en-US"/>
+          </a:p>
+        </p:txBody>
+      </p:sp>
+      <p:sp>
+        <p:nvSpPr>
+          <p:cNvPr id="64" name="六邊形 63"/>
+          <p:cNvSpPr/>
+          <p:nvPr/>
+        </p:nvSpPr>
+        <p:spPr>
+          <a:xfrm rot="10800000">
+            <a:off x="7993790" y="4457956"/>
+            <a:ext cx="651236" cy="561409"/>
+          </a:xfrm>
+          <a:prstGeom prst="hexagon">
+            <a:avLst/>
+          </a:prstGeom>
+          <a:solidFill>
+            <a:schemeClr val="bg1"/>
+          </a:solidFill>
+          <a:ln w="38100">
+            <a:solidFill>
+              <a:schemeClr val="tx1"/>
+            </a:solidFill>
+          </a:ln>
+        </p:spPr>
+        <p:style>
+          <a:lnRef idx="2">
+            <a:schemeClr val="accent1">
+              <a:shade val="50000"/>
+            </a:schemeClr>
+          </a:lnRef>
+          <a:fillRef idx="1">
+            <a:schemeClr val="accent1"/>
+          </a:fillRef>
+          <a:effectRef idx="0">
+            <a:schemeClr val="accent1"/>
+          </a:effectRef>
+          <a:fontRef idx="minor">
+            <a:schemeClr val="lt1"/>
+          </a:fontRef>
+        </p:style>
+        <p:txBody>
+          <a:bodyPr rtlCol="0" anchor="ctr"/>
+          <a:lstStyle/>
+          <a:p>
+            <a:pPr algn="ctr"/>
+            <a:endParaRPr lang="zh-TW" altLang="en-US"/>
+          </a:p>
+        </p:txBody>
+      </p:sp>
+      <p:sp>
+        <p:nvSpPr>
+          <p:cNvPr id="65" name="六邊形 64"/>
+          <p:cNvSpPr/>
+          <p:nvPr/>
+        </p:nvSpPr>
+        <p:spPr>
+          <a:xfrm rot="10800000">
+            <a:off x="6437219" y="852176"/>
+            <a:ext cx="651236" cy="561409"/>
+          </a:xfrm>
+          <a:prstGeom prst="hexagon">
+            <a:avLst/>
+          </a:prstGeom>
+          <a:solidFill>
+            <a:schemeClr val="bg1"/>
+          </a:solidFill>
+          <a:ln w="38100">
+            <a:solidFill>
+              <a:schemeClr val="tx1"/>
+            </a:solidFill>
+          </a:ln>
+        </p:spPr>
+        <p:style>
+          <a:lnRef idx="2">
+            <a:schemeClr val="accent1">
+              <a:shade val="50000"/>
+            </a:schemeClr>
+          </a:lnRef>
+          <a:fillRef idx="1">
+            <a:schemeClr val="accent1"/>
+          </a:fillRef>
+          <a:effectRef idx="0">
+            <a:schemeClr val="accent1"/>
+          </a:effectRef>
+          <a:fontRef idx="minor">
+            <a:schemeClr val="lt1"/>
+          </a:fontRef>
+        </p:style>
+        <p:txBody>
+          <a:bodyPr rtlCol="0" anchor="ctr"/>
+          <a:lstStyle/>
+          <a:p>
+            <a:pPr algn="ctr"/>
+            <a:endParaRPr lang="zh-TW" altLang="en-US"/>
+          </a:p>
+        </p:txBody>
+      </p:sp>
+      <p:sp>
+        <p:nvSpPr>
+          <p:cNvPr id="66" name="六邊形 65"/>
+          <p:cNvSpPr/>
+          <p:nvPr/>
+        </p:nvSpPr>
+        <p:spPr>
+          <a:xfrm rot="10800000">
+            <a:off x="5951475" y="5009840"/>
+            <a:ext cx="651236" cy="561409"/>
+          </a:xfrm>
+          <a:prstGeom prst="hexagon">
+            <a:avLst/>
+          </a:prstGeom>
+          <a:solidFill>
+            <a:schemeClr val="bg1"/>
+          </a:solidFill>
+          <a:ln w="38100">
+            <a:solidFill>
+              <a:schemeClr val="tx1"/>
+            </a:solidFill>
+          </a:ln>
+        </p:spPr>
+        <p:style>
+          <a:lnRef idx="2">
+            <a:schemeClr val="accent1">
+              <a:shade val="50000"/>
+            </a:schemeClr>
+          </a:lnRef>
+          <a:fillRef idx="1">
+            <a:schemeClr val="accent1"/>
+          </a:fillRef>
+          <a:effectRef idx="0">
+            <a:schemeClr val="accent1"/>
+          </a:effectRef>
+          <a:fontRef idx="minor">
+            <a:schemeClr val="lt1"/>
+          </a:fontRef>
+        </p:style>
+        <p:txBody>
+          <a:bodyPr rtlCol="0" anchor="ctr"/>
+          <a:lstStyle/>
+          <a:p>
+            <a:pPr algn="ctr"/>
+            <a:endParaRPr lang="zh-TW" altLang="en-US"/>
+          </a:p>
+        </p:txBody>
+      </p:sp>
+      <p:sp>
+        <p:nvSpPr>
+          <p:cNvPr id="67" name="六邊形 66"/>
+          <p:cNvSpPr/>
+          <p:nvPr/>
+        </p:nvSpPr>
+        <p:spPr>
+          <a:xfrm rot="10800000">
+            <a:off x="6972395" y="4991382"/>
+            <a:ext cx="651236" cy="561409"/>
+          </a:xfrm>
+          <a:prstGeom prst="hexagon">
+            <a:avLst/>
+          </a:prstGeom>
+          <a:solidFill>
+            <a:schemeClr val="bg1"/>
+          </a:solidFill>
+          <a:ln w="38100">
+            <a:solidFill>
+              <a:schemeClr val="tx1"/>
+            </a:solidFill>
+          </a:ln>
+        </p:spPr>
+        <p:style>
+          <a:lnRef idx="2">
+            <a:schemeClr val="accent1">
+              <a:shade val="50000"/>
+            </a:schemeClr>
+          </a:lnRef>
+          <a:fillRef idx="1">
+            <a:schemeClr val="accent1"/>
+          </a:fillRef>
+          <a:effectRef idx="0">
+            <a:schemeClr val="accent1"/>
+          </a:effectRef>
+          <a:fontRef idx="minor">
+            <a:schemeClr val="lt1"/>
+          </a:fontRef>
+        </p:style>
+        <p:txBody>
+          <a:bodyPr rtlCol="0" anchor="ctr"/>
+          <a:lstStyle/>
+          <a:p>
+            <a:pPr algn="ctr"/>
+            <a:endParaRPr lang="zh-TW" altLang="en-US"/>
+          </a:p>
+        </p:txBody>
+      </p:sp>
+      <p:sp>
+        <p:nvSpPr>
+          <p:cNvPr id="68" name="六邊形 67"/>
+          <p:cNvSpPr/>
+          <p:nvPr/>
+        </p:nvSpPr>
+        <p:spPr>
+          <a:xfrm rot="10800000">
+            <a:off x="6455564" y="5285442"/>
+            <a:ext cx="651236" cy="561409"/>
+          </a:xfrm>
+          <a:prstGeom prst="hexagon">
+            <a:avLst/>
+          </a:prstGeom>
+          <a:solidFill>
+            <a:schemeClr val="bg1"/>
+          </a:solidFill>
+          <a:ln w="38100">
+            <a:solidFill>
+              <a:schemeClr val="tx1"/>
+            </a:solidFill>
+          </a:ln>
+        </p:spPr>
+        <p:style>
+          <a:lnRef idx="2">
+            <a:schemeClr val="accent1">
+              <a:shade val="50000"/>
+            </a:schemeClr>
+          </a:lnRef>
+          <a:fillRef idx="1">
+            <a:schemeClr val="accent1"/>
+          </a:fillRef>
+          <a:effectRef idx="0">
+            <a:schemeClr val="accent1"/>
+          </a:effectRef>
+          <a:fontRef idx="minor">
+            <a:schemeClr val="lt1"/>
+          </a:fontRef>
+        </p:style>
+        <p:txBody>
+          <a:bodyPr rtlCol="0" anchor="ctr"/>
+          <a:lstStyle/>
+          <a:p>
+            <a:pPr algn="ctr"/>
+            <a:endParaRPr lang="zh-TW" altLang="en-US"/>
+          </a:p>
+        </p:txBody>
+      </p:sp>
+      <p:sp>
+        <p:nvSpPr>
+          <p:cNvPr id="69" name="橢圓 68"/>
+          <p:cNvSpPr/>
+          <p:nvPr/>
+        </p:nvSpPr>
+        <p:spPr>
+          <a:xfrm>
+            <a:off x="6215104" y="2797511"/>
+            <a:ext cx="1146778" cy="1146778"/>
+          </a:xfrm>
+          <a:prstGeom prst="ellipse">
+            <a:avLst/>
+          </a:prstGeom>
+          <a:noFill/>
+          <a:ln w="76200">
+            <a:solidFill>
+              <a:srgbClr val="FF0000"/>
+            </a:solidFill>
+          </a:ln>
+        </p:spPr>
+        <p:style>
+          <a:lnRef idx="2">
+            <a:schemeClr val="accent1">
+              <a:shade val="50000"/>
+            </a:schemeClr>
+          </a:lnRef>
+          <a:fillRef idx="1">
+            <a:schemeClr val="accent1"/>
+          </a:fillRef>
+          <a:effectRef idx="0">
+            <a:schemeClr val="accent1"/>
+          </a:effectRef>
+          <a:fontRef idx="minor">
+            <a:schemeClr val="lt1"/>
+          </a:fontRef>
+        </p:style>
+        <p:txBody>
+          <a:bodyPr rtlCol="0" anchor="ctr"/>
+          <a:lstStyle/>
+          <a:p>
+            <a:pPr algn="ctr"/>
+            <a:endParaRPr lang="zh-TW" altLang="en-US"/>
+          </a:p>
+        </p:txBody>
+      </p:sp>
+      <p:sp>
+        <p:nvSpPr>
+          <p:cNvPr id="70" name="橢圓 69"/>
+          <p:cNvSpPr/>
+          <p:nvPr/>
+        </p:nvSpPr>
+        <p:spPr>
+          <a:xfrm>
+            <a:off x="5716769" y="2284725"/>
+            <a:ext cx="2158764" cy="2158764"/>
+          </a:xfrm>
+          <a:prstGeom prst="ellipse">
+            <a:avLst/>
+          </a:prstGeom>
+          <a:noFill/>
+          <a:ln w="76200">
+            <a:solidFill>
+              <a:srgbClr val="FF0000"/>
+            </a:solidFill>
+          </a:ln>
+        </p:spPr>
+        <p:style>
+          <a:lnRef idx="2">
+            <a:schemeClr val="accent1">
+              <a:shade val="50000"/>
+            </a:schemeClr>
+          </a:lnRef>
+          <a:fillRef idx="1">
+            <a:schemeClr val="accent1"/>
+          </a:fillRef>
+          <a:effectRef idx="0">
+            <a:schemeClr val="accent1"/>
+          </a:effectRef>
+          <a:fontRef idx="minor">
+            <a:schemeClr val="lt1"/>
+          </a:fontRef>
+        </p:style>
+        <p:txBody>
+          <a:bodyPr rtlCol="0" anchor="ctr"/>
+          <a:lstStyle/>
+          <a:p>
+            <a:pPr algn="ctr"/>
+            <a:endParaRPr lang="zh-TW" altLang="en-US"/>
+          </a:p>
+        </p:txBody>
+      </p:sp>
+      <p:sp>
+        <p:nvSpPr>
+          <p:cNvPr id="71" name="橢圓 70"/>
+          <p:cNvSpPr/>
+          <p:nvPr/>
+        </p:nvSpPr>
+        <p:spPr>
+          <a:xfrm>
+            <a:off x="5073799" y="1637198"/>
+            <a:ext cx="3417384" cy="3417384"/>
+          </a:xfrm>
+          <a:prstGeom prst="ellipse">
+            <a:avLst/>
+          </a:prstGeom>
+          <a:noFill/>
+          <a:ln w="76200">
+            <a:solidFill>
+              <a:srgbClr val="FF0000"/>
+            </a:solidFill>
+          </a:ln>
+        </p:spPr>
+        <p:style>
+          <a:lnRef idx="2">
+            <a:schemeClr val="accent1">
+              <a:shade val="50000"/>
+            </a:schemeClr>
+          </a:lnRef>
+          <a:fillRef idx="1">
+            <a:schemeClr val="accent1"/>
+          </a:fillRef>
+          <a:effectRef idx="0">
+            <a:schemeClr val="accent1"/>
+          </a:effectRef>
+          <a:fontRef idx="minor">
+            <a:schemeClr val="lt1"/>
+          </a:fontRef>
+        </p:style>
+        <p:txBody>
+          <a:bodyPr rtlCol="0" anchor="ctr"/>
+          <a:lstStyle/>
+          <a:p>
+            <a:pPr algn="ctr"/>
+            <a:endParaRPr lang="zh-TW" altLang="en-US"/>
+          </a:p>
+        </p:txBody>
+      </p:sp>
+    </p:spTree>
+    <p:extLst>
+      <p:ext uri="{BB962C8B-B14F-4D97-AF65-F5344CB8AC3E}">
+        <p14:creationId xmlns:p14="http://schemas.microsoft.com/office/powerpoint/2010/main" val="944120544"/>
+      </p:ext>
+    </p:extLst>
+  </p:cSld>
+  <p:clrMapOvr>
+    <a:masterClrMapping/>
+  </p:clrMapOvr>
 </p:sld>
 </file>
 
